--- a/kubernetes/k8s007.pptx
+++ b/kubernetes/k8s007.pptx
@@ -5,11 +5,24 @@
     <p:sldMasterId id="2147483648" r:id="rId1"/>
   </p:sldMasterIdLst>
   <p:notesMasterIdLst>
-    <p:notesMasterId r:id="rId4"/>
+    <p:notesMasterId r:id="rId17"/>
   </p:notesMasterIdLst>
   <p:sldIdLst>
     <p:sldId id="256" r:id="rId2"/>
     <p:sldId id="285" r:id="rId3"/>
+    <p:sldId id="286" r:id="rId4"/>
+    <p:sldId id="287" r:id="rId5"/>
+    <p:sldId id="288" r:id="rId6"/>
+    <p:sldId id="289" r:id="rId7"/>
+    <p:sldId id="290" r:id="rId8"/>
+    <p:sldId id="291" r:id="rId9"/>
+    <p:sldId id="292" r:id="rId10"/>
+    <p:sldId id="293" r:id="rId11"/>
+    <p:sldId id="294" r:id="rId12"/>
+    <p:sldId id="295" r:id="rId13"/>
+    <p:sldId id="296" r:id="rId14"/>
+    <p:sldId id="297" r:id="rId15"/>
+    <p:sldId id="298" r:id="rId16"/>
   </p:sldIdLst>
   <p:sldSz cx="12192000" cy="6858000"/>
   <p:notesSz cx="6858000" cy="9144000"/>
@@ -198,7 +211,7 @@
           <a:p>
             <a:fld id="{63F136E3-80C6-A842-B275-74FC7A4265FC}" type="datetimeFigureOut">
               <a:rPr kumimoji="1" lang="zh-CN" altLang="en-US" smtClean="0"/>
-              <a:t>2019/6/23</a:t>
+              <a:t>2019/6/27</a:t>
             </a:fld>
             <a:endParaRPr kumimoji="1" lang="zh-CN" altLang="en-US"/>
           </a:p>
@@ -466,6 +479,1245 @@
 </p:notesMaster>
 </file>
 
+<file path=ppt/notesSlides/notesSlide1.xml><?xml version="1.0" encoding="utf-8"?>
+<p:notes xmlns:a="http://schemas.openxmlformats.org/drawingml/2006/main" xmlns:r="http://schemas.openxmlformats.org/officeDocument/2006/relationships" xmlns:p="http://schemas.openxmlformats.org/presentationml/2006/main">
+  <p:cSld>
+    <p:spTree>
+      <p:nvGrpSpPr>
+        <p:cNvPr id="1" name=""/>
+        <p:cNvGrpSpPr/>
+        <p:nvPr/>
+      </p:nvGrpSpPr>
+      <p:grpSpPr>
+        <a:xfrm>
+          <a:off x="0" y="0"/>
+          <a:ext cx="0" cy="0"/>
+          <a:chOff x="0" y="0"/>
+          <a:chExt cx="0" cy="0"/>
+        </a:xfrm>
+      </p:grpSpPr>
+      <p:sp>
+        <p:nvSpPr>
+          <p:cNvPr id="2" name="幻灯片图像占位符 1"/>
+          <p:cNvSpPr>
+            <a:spLocks noGrp="1" noRot="1" noChangeAspect="1"/>
+          </p:cNvSpPr>
+          <p:nvPr>
+            <p:ph type="sldImg"/>
+          </p:nvPr>
+        </p:nvSpPr>
+        <p:spPr/>
+      </p:sp>
+      <p:sp>
+        <p:nvSpPr>
+          <p:cNvPr id="3" name="备注占位符 2"/>
+          <p:cNvSpPr>
+            <a:spLocks noGrp="1"/>
+          </p:cNvSpPr>
+          <p:nvPr>
+            <p:ph type="body" idx="1"/>
+          </p:nvPr>
+        </p:nvSpPr>
+        <p:spPr/>
+        <p:txBody>
+          <a:bodyPr/>
+          <a:lstStyle/>
+          <a:p>
+            <a:r>
+              <a:rPr lang="zh-CN" altLang="it-IT" dirty="0" smtClean="0">
+                <a:effectLst/>
+              </a:rPr>
+              <a:t>打开</a:t>
+            </a:r>
+            <a:r>
+              <a:rPr lang="it-IT" altLang="zh-CN" dirty="0" err="1" smtClean="0">
+                <a:effectLst/>
+              </a:rPr>
+              <a:t>grafana</a:t>
+            </a:r>
+            <a:r>
+              <a:rPr lang="zh-CN" altLang="it-IT" dirty="0" smtClean="0">
+                <a:effectLst/>
+              </a:rPr>
+              <a:t>，导入</a:t>
+            </a:r>
+            <a:r>
+              <a:rPr lang="it-IT" altLang="zh-CN" dirty="0" err="1" smtClean="0">
+                <a:effectLst/>
+              </a:rPr>
+              <a:t>apiserver.json</a:t>
+            </a:r>
+            <a:endParaRPr lang="it-IT" altLang="zh-CN" dirty="0" smtClean="0">
+              <a:effectLst/>
+            </a:endParaRPr>
+          </a:p>
+          <a:p>
+            <a:r>
+              <a:rPr lang="zh-CN" altLang="it-IT" dirty="0" smtClean="0">
+                <a:effectLst/>
+              </a:rPr>
+              <a:t>去</a:t>
+            </a:r>
+            <a:r>
+              <a:rPr lang="it-IT" altLang="zh-CN" dirty="0" err="1" smtClean="0">
+                <a:effectLst/>
+              </a:rPr>
+              <a:t>prometheus</a:t>
+            </a:r>
+            <a:r>
+              <a:rPr lang="zh-CN" altLang="it-IT" dirty="0" smtClean="0">
+                <a:effectLst/>
+              </a:rPr>
+              <a:t>查询</a:t>
+            </a:r>
+            <a:r>
+              <a:rPr lang="it-IT" altLang="zh-CN" dirty="0" err="1" smtClean="0">
+                <a:effectLst/>
+              </a:rPr>
+              <a:t>apiserver_request_total</a:t>
+            </a:r>
+            <a:r>
+              <a:rPr lang="it-IT" altLang="zh-CN" dirty="0" smtClean="0">
+                <a:effectLst/>
+              </a:rPr>
+              <a:t>{job="</a:t>
+            </a:r>
+            <a:r>
+              <a:rPr lang="it-IT" altLang="zh-CN" dirty="0" err="1" smtClean="0">
+                <a:effectLst/>
+              </a:rPr>
+              <a:t>apiserver</a:t>
+            </a:r>
+            <a:r>
+              <a:rPr lang="it-IT" altLang="zh-CN" dirty="0" smtClean="0">
+                <a:effectLst/>
+              </a:rPr>
+              <a:t>"}</a:t>
+            </a:r>
+            <a:r>
+              <a:rPr lang="zh-CN" altLang="it-IT" dirty="0" smtClean="0">
+                <a:effectLst/>
+              </a:rPr>
+              <a:t>，这个</a:t>
+            </a:r>
+            <a:r>
+              <a:rPr lang="it-IT" altLang="zh-CN" dirty="0" err="1" smtClean="0">
+                <a:effectLst/>
+              </a:rPr>
+              <a:t>json</a:t>
+            </a:r>
+            <a:r>
+              <a:rPr lang="zh-CN" altLang="it-IT" dirty="0" smtClean="0">
+                <a:effectLst/>
+              </a:rPr>
+              <a:t>模板使用的</a:t>
+            </a:r>
+            <a:r>
+              <a:rPr lang="it-IT" altLang="zh-CN" dirty="0" smtClean="0">
+                <a:effectLst/>
+              </a:rPr>
+              <a:t>job</a:t>
+            </a:r>
+            <a:r>
+              <a:rPr lang="zh-CN" altLang="it-IT" dirty="0" smtClean="0">
+                <a:effectLst/>
+              </a:rPr>
+              <a:t>名字不对，所以修改</a:t>
+            </a:r>
+            <a:r>
+              <a:rPr lang="it-IT" altLang="zh-CN" dirty="0" err="1" smtClean="0">
+                <a:effectLst/>
+              </a:rPr>
+              <a:t>apiserver</a:t>
+            </a:r>
+            <a:r>
+              <a:rPr lang="it-IT" altLang="zh-CN" dirty="0" smtClean="0">
+                <a:effectLst/>
+              </a:rPr>
+              <a:t> </a:t>
+            </a:r>
+            <a:r>
+              <a:rPr lang="it-IT" altLang="zh-CN" dirty="0" err="1" smtClean="0">
+                <a:effectLst/>
+              </a:rPr>
+              <a:t>dashboard</a:t>
+            </a:r>
+            <a:r>
+              <a:rPr lang="zh-CN" altLang="it-IT" dirty="0" smtClean="0">
+                <a:effectLst/>
+              </a:rPr>
+              <a:t>配置，变量和</a:t>
+            </a:r>
+            <a:r>
+              <a:rPr lang="it-IT" altLang="zh-CN" dirty="0" err="1" smtClean="0">
+                <a:effectLst/>
+              </a:rPr>
+              <a:t>json</a:t>
+            </a:r>
+            <a:r>
+              <a:rPr lang="zh-CN" altLang="it-IT" dirty="0" smtClean="0">
+                <a:effectLst/>
+              </a:rPr>
+              <a:t>模板中的</a:t>
+            </a:r>
+            <a:r>
+              <a:rPr lang="it-IT" altLang="zh-CN" dirty="0" err="1" smtClean="0">
+                <a:effectLst/>
+              </a:rPr>
+              <a:t>kube-apiserver</a:t>
+            </a:r>
+            <a:r>
+              <a:rPr lang="zh-CN" altLang="it-IT" dirty="0" smtClean="0">
+                <a:effectLst/>
+              </a:rPr>
+              <a:t>替换成</a:t>
+            </a:r>
+            <a:r>
+              <a:rPr lang="it-IT" altLang="zh-CN" dirty="0" err="1" smtClean="0">
+                <a:effectLst/>
+              </a:rPr>
+              <a:t>apiserver</a:t>
+            </a:r>
+            <a:endParaRPr lang="it-IT" altLang="zh-CN" dirty="0" smtClean="0">
+              <a:effectLst/>
+            </a:endParaRPr>
+          </a:p>
+          <a:p>
+            <a:r>
+              <a:rPr lang="zh-CN" altLang="it-IT" dirty="0" smtClean="0">
+                <a:effectLst/>
+              </a:rPr>
+              <a:t>其他</a:t>
+            </a:r>
+            <a:r>
+              <a:rPr lang="it-IT" altLang="zh-CN" dirty="0" err="1" smtClean="0">
+                <a:effectLst/>
+              </a:rPr>
+              <a:t>dashboard</a:t>
+            </a:r>
+            <a:r>
+              <a:rPr lang="zh-CN" altLang="it-IT" dirty="0" smtClean="0">
+                <a:effectLst/>
+              </a:rPr>
+              <a:t>类似</a:t>
+            </a:r>
+          </a:p>
+          <a:p>
+            <a:endParaRPr kumimoji="1" lang="zh-CN" altLang="en-US" dirty="0"/>
+          </a:p>
+        </p:txBody>
+      </p:sp>
+      <p:sp>
+        <p:nvSpPr>
+          <p:cNvPr id="4" name="幻灯片编号占位符 3"/>
+          <p:cNvSpPr>
+            <a:spLocks noGrp="1"/>
+          </p:cNvSpPr>
+          <p:nvPr>
+            <p:ph type="sldNum" sz="quarter" idx="10"/>
+          </p:nvPr>
+        </p:nvSpPr>
+        <p:spPr/>
+        <p:txBody>
+          <a:bodyPr/>
+          <a:lstStyle/>
+          <a:p>
+            <a:fld id="{2A48A843-6325-C940-A430-FD72B9AFF102}" type="slidenum">
+              <a:rPr kumimoji="1" lang="zh-CN" altLang="en-US" smtClean="0"/>
+              <a:t>9</a:t>
+            </a:fld>
+            <a:endParaRPr kumimoji="1" lang="zh-CN" altLang="en-US"/>
+          </a:p>
+        </p:txBody>
+      </p:sp>
+    </p:spTree>
+    <p:extLst>
+      <p:ext uri="{BB962C8B-B14F-4D97-AF65-F5344CB8AC3E}">
+        <p14:creationId xmlns:p14="http://schemas.microsoft.com/office/powerpoint/2010/main" val="836730810"/>
+      </p:ext>
+    </p:extLst>
+  </p:cSld>
+  <p:clrMapOvr>
+    <a:masterClrMapping/>
+  </p:clrMapOvr>
+</p:notes>
+</file>
+
+<file path=ppt/notesSlides/notesSlide2.xml><?xml version="1.0" encoding="utf-8"?>
+<p:notes xmlns:a="http://schemas.openxmlformats.org/drawingml/2006/main" xmlns:r="http://schemas.openxmlformats.org/officeDocument/2006/relationships" xmlns:p="http://schemas.openxmlformats.org/presentationml/2006/main">
+  <p:cSld>
+    <p:spTree>
+      <p:nvGrpSpPr>
+        <p:cNvPr id="1" name=""/>
+        <p:cNvGrpSpPr/>
+        <p:nvPr/>
+      </p:nvGrpSpPr>
+      <p:grpSpPr>
+        <a:xfrm>
+          <a:off x="0" y="0"/>
+          <a:ext cx="0" cy="0"/>
+          <a:chOff x="0" y="0"/>
+          <a:chExt cx="0" cy="0"/>
+        </a:xfrm>
+      </p:grpSpPr>
+      <p:sp>
+        <p:nvSpPr>
+          <p:cNvPr id="2" name="幻灯片图像占位符 1"/>
+          <p:cNvSpPr>
+            <a:spLocks noGrp="1" noRot="1" noChangeAspect="1"/>
+          </p:cNvSpPr>
+          <p:nvPr>
+            <p:ph type="sldImg"/>
+          </p:nvPr>
+        </p:nvSpPr>
+        <p:spPr/>
+      </p:sp>
+      <p:sp>
+        <p:nvSpPr>
+          <p:cNvPr id="3" name="备注占位符 2"/>
+          <p:cNvSpPr>
+            <a:spLocks noGrp="1"/>
+          </p:cNvSpPr>
+          <p:nvPr>
+            <p:ph type="body" idx="1"/>
+          </p:nvPr>
+        </p:nvSpPr>
+        <p:spPr/>
+        <p:txBody>
+          <a:bodyPr/>
+          <a:lstStyle/>
+          <a:p>
+            <a:r>
+              <a:rPr lang="zh-CN" altLang="en-US" dirty="0" smtClean="0">
+                <a:effectLst/>
+              </a:rPr>
+              <a:t>创建之后看到</a:t>
+            </a:r>
+            <a:r>
+              <a:rPr lang="en-US" altLang="zh-CN" dirty="0" err="1" smtClean="0">
+                <a:effectLst/>
+              </a:rPr>
+              <a:t>prometheus</a:t>
+            </a:r>
+            <a:r>
+              <a:rPr lang="zh-CN" altLang="en-US" dirty="0" smtClean="0">
+                <a:effectLst/>
+              </a:rPr>
+              <a:t>看到</a:t>
+            </a:r>
+            <a:r>
+              <a:rPr lang="en-US" altLang="zh-CN" dirty="0" smtClean="0">
+                <a:effectLst/>
+              </a:rPr>
+              <a:t>scheduler</a:t>
+            </a:r>
+            <a:r>
+              <a:rPr lang="zh-CN" altLang="en-US" dirty="0" smtClean="0">
+                <a:effectLst/>
+              </a:rPr>
+              <a:t>和</a:t>
+            </a:r>
+            <a:r>
+              <a:rPr lang="en-US" altLang="zh-CN" dirty="0" smtClean="0">
+                <a:effectLst/>
+              </a:rPr>
+              <a:t>controller-manager up</a:t>
+            </a:r>
+            <a:r>
+              <a:rPr lang="zh-CN" altLang="en-US" dirty="0" smtClean="0">
+                <a:effectLst/>
+              </a:rPr>
+              <a:t>了</a:t>
+            </a:r>
+          </a:p>
+          <a:p>
+            <a:r>
+              <a:rPr lang="en-US" altLang="zh-CN" dirty="0" err="1" smtClean="0">
+                <a:effectLst/>
+              </a:rPr>
+              <a:t>grafana</a:t>
+            </a:r>
+            <a:r>
+              <a:rPr lang="zh-CN" altLang="en-US" dirty="0" smtClean="0">
+                <a:effectLst/>
+              </a:rPr>
+              <a:t>导入相应</a:t>
+            </a:r>
+            <a:r>
+              <a:rPr lang="en-US" altLang="zh-CN" dirty="0" err="1" smtClean="0">
+                <a:effectLst/>
+              </a:rPr>
+              <a:t>json</a:t>
+            </a:r>
+            <a:r>
+              <a:rPr lang="zh-CN" altLang="en-US" dirty="0" smtClean="0">
+                <a:effectLst/>
+              </a:rPr>
+              <a:t>模板后看到监控数据</a:t>
+            </a:r>
+          </a:p>
+          <a:p>
+            <a:endParaRPr kumimoji="1" lang="zh-CN" altLang="en-US" dirty="0"/>
+          </a:p>
+        </p:txBody>
+      </p:sp>
+      <p:sp>
+        <p:nvSpPr>
+          <p:cNvPr id="4" name="幻灯片编号占位符 3"/>
+          <p:cNvSpPr>
+            <a:spLocks noGrp="1"/>
+          </p:cNvSpPr>
+          <p:nvPr>
+            <p:ph type="sldNum" sz="quarter" idx="10"/>
+          </p:nvPr>
+        </p:nvSpPr>
+        <p:spPr/>
+        <p:txBody>
+          <a:bodyPr/>
+          <a:lstStyle/>
+          <a:p>
+            <a:fld id="{2A48A843-6325-C940-A430-FD72B9AFF102}" type="slidenum">
+              <a:rPr kumimoji="1" lang="zh-CN" altLang="en-US" smtClean="0"/>
+              <a:t>10</a:t>
+            </a:fld>
+            <a:endParaRPr kumimoji="1" lang="zh-CN" altLang="en-US"/>
+          </a:p>
+        </p:txBody>
+      </p:sp>
+    </p:spTree>
+    <p:extLst>
+      <p:ext uri="{BB962C8B-B14F-4D97-AF65-F5344CB8AC3E}">
+        <p14:creationId xmlns:p14="http://schemas.microsoft.com/office/powerpoint/2010/main" val="646443517"/>
+      </p:ext>
+    </p:extLst>
+  </p:cSld>
+  <p:clrMapOvr>
+    <a:masterClrMapping/>
+  </p:clrMapOvr>
+</p:notes>
+</file>
+
+<file path=ppt/notesSlides/notesSlide3.xml><?xml version="1.0" encoding="utf-8"?>
+<p:notes xmlns:a="http://schemas.openxmlformats.org/drawingml/2006/main" xmlns:r="http://schemas.openxmlformats.org/officeDocument/2006/relationships" xmlns:p="http://schemas.openxmlformats.org/presentationml/2006/main">
+  <p:cSld>
+    <p:spTree>
+      <p:nvGrpSpPr>
+        <p:cNvPr id="1" name=""/>
+        <p:cNvGrpSpPr/>
+        <p:nvPr/>
+      </p:nvGrpSpPr>
+      <p:grpSpPr>
+        <a:xfrm>
+          <a:off x="0" y="0"/>
+          <a:ext cx="0" cy="0"/>
+          <a:chOff x="0" y="0"/>
+          <a:chExt cx="0" cy="0"/>
+        </a:xfrm>
+      </p:grpSpPr>
+      <p:sp>
+        <p:nvSpPr>
+          <p:cNvPr id="2" name="幻灯片图像占位符 1"/>
+          <p:cNvSpPr>
+            <a:spLocks noGrp="1" noRot="1" noChangeAspect="1"/>
+          </p:cNvSpPr>
+          <p:nvPr>
+            <p:ph type="sldImg"/>
+          </p:nvPr>
+        </p:nvSpPr>
+        <p:spPr/>
+      </p:sp>
+      <p:sp>
+        <p:nvSpPr>
+          <p:cNvPr id="3" name="备注占位符 2"/>
+          <p:cNvSpPr>
+            <a:spLocks noGrp="1"/>
+          </p:cNvSpPr>
+          <p:nvPr>
+            <p:ph type="body" idx="1"/>
+          </p:nvPr>
+        </p:nvSpPr>
+        <p:spPr/>
+        <p:txBody>
+          <a:bodyPr/>
+          <a:lstStyle/>
+          <a:p>
+            <a:pPr marL="0" marR="0" indent="0" algn="l" defTabSz="914400" rtl="0" eaLnBrk="1" fontAlgn="auto" latinLnBrk="0" hangingPunct="1">
+              <a:lnSpc>
+                <a:spcPct val="100000"/>
+              </a:lnSpc>
+              <a:spcBef>
+                <a:spcPts val="0"/>
+              </a:spcBef>
+              <a:spcAft>
+                <a:spcPts val="0"/>
+              </a:spcAft>
+              <a:buClrTx/>
+              <a:buSzTx/>
+              <a:buFontTx/>
+              <a:buNone/>
+              <a:tabLst/>
+              <a:defRPr/>
+            </a:pPr>
+            <a:r>
+              <a:rPr lang="en-US" altLang="zh-CN" dirty="0" err="1" smtClean="0">
+                <a:effectLst/>
+              </a:rPr>
+              <a:t>beautifulhao</a:t>
+            </a:r>
+            <a:r>
+              <a:rPr lang="en-US" altLang="zh-CN" dirty="0" smtClean="0">
+                <a:effectLst/>
+              </a:rPr>
+              <a:t>/elasticsearch:v6.6.1</a:t>
+            </a:r>
+          </a:p>
+          <a:p>
+            <a:endParaRPr kumimoji="1" lang="en-US" altLang="zh-CN" dirty="0" smtClean="0"/>
+          </a:p>
+          <a:p>
+            <a:pPr marL="0" marR="0" indent="0" algn="l" defTabSz="914400" rtl="0" eaLnBrk="1" fontAlgn="auto" latinLnBrk="0" hangingPunct="1">
+              <a:lnSpc>
+                <a:spcPct val="100000"/>
+              </a:lnSpc>
+              <a:spcBef>
+                <a:spcPts val="0"/>
+              </a:spcBef>
+              <a:spcAft>
+                <a:spcPts val="0"/>
+              </a:spcAft>
+              <a:buClrTx/>
+              <a:buSzTx/>
+              <a:buFontTx/>
+              <a:buNone/>
+              <a:tabLst/>
+              <a:defRPr/>
+            </a:pPr>
+            <a:r>
+              <a:rPr lang="zh-CN" altLang="en-US" dirty="0" smtClean="0">
+                <a:effectLst/>
+              </a:rPr>
+              <a:t>修改</a:t>
+            </a:r>
+            <a:r>
+              <a:rPr lang="en-US" altLang="zh-CN" dirty="0" err="1" smtClean="0">
+                <a:effectLst/>
+              </a:rPr>
+              <a:t>kibana-deployment.yaml</a:t>
+            </a:r>
+            <a:r>
+              <a:rPr lang="zh-CN" altLang="en-US" dirty="0" smtClean="0">
+                <a:effectLst/>
+              </a:rPr>
+              <a:t>，去掉</a:t>
+            </a:r>
+            <a:endParaRPr kumimoji="1" lang="en-US" altLang="zh-CN" dirty="0" smtClean="0"/>
+          </a:p>
+          <a:p>
+            <a:pPr marL="171450" marR="0" indent="-171450" algn="l" defTabSz="914400" rtl="0" eaLnBrk="1" fontAlgn="auto" latinLnBrk="0" hangingPunct="1">
+              <a:lnSpc>
+                <a:spcPct val="100000"/>
+              </a:lnSpc>
+              <a:spcBef>
+                <a:spcPts val="0"/>
+              </a:spcBef>
+              <a:spcAft>
+                <a:spcPts val="0"/>
+              </a:spcAft>
+              <a:buClrTx/>
+              <a:buSzTx/>
+              <a:buFontTx/>
+              <a:buChar char="-"/>
+              <a:tabLst/>
+              <a:defRPr/>
+            </a:pPr>
+            <a:r>
+              <a:rPr lang="en-US" altLang="zh-CN" dirty="0" smtClean="0">
+                <a:effectLst/>
+              </a:rPr>
+              <a:t>name: SERVER_BASEPATH </a:t>
+            </a:r>
+          </a:p>
+          <a:p>
+            <a:pPr marL="0" marR="0" indent="0" algn="l" defTabSz="914400" rtl="0" eaLnBrk="1" fontAlgn="auto" latinLnBrk="0" hangingPunct="1">
+              <a:lnSpc>
+                <a:spcPct val="100000"/>
+              </a:lnSpc>
+              <a:spcBef>
+                <a:spcPts val="0"/>
+              </a:spcBef>
+              <a:spcAft>
+                <a:spcPts val="0"/>
+              </a:spcAft>
+              <a:buClrTx/>
+              <a:buSzTx/>
+              <a:buFontTx/>
+              <a:buNone/>
+              <a:tabLst/>
+              <a:defRPr/>
+            </a:pPr>
+            <a:r>
+              <a:rPr lang="zh-CN" altLang="en-US" dirty="0" smtClean="0">
+                <a:effectLst/>
+              </a:rPr>
+              <a:t>   </a:t>
+            </a:r>
+            <a:r>
+              <a:rPr lang="en-US" altLang="zh-CN" dirty="0" smtClean="0">
+                <a:effectLst/>
+              </a:rPr>
+              <a:t>value: /</a:t>
+            </a:r>
+            <a:r>
+              <a:rPr lang="en-US" altLang="zh-CN" dirty="0" err="1" smtClean="0">
+                <a:effectLst/>
+              </a:rPr>
+              <a:t>api</a:t>
+            </a:r>
+            <a:r>
+              <a:rPr lang="en-US" altLang="zh-CN" dirty="0" smtClean="0">
+                <a:effectLst/>
+              </a:rPr>
+              <a:t>/v1/namespaces/</a:t>
+            </a:r>
+            <a:r>
+              <a:rPr lang="en-US" altLang="zh-CN" dirty="0" err="1" smtClean="0">
+                <a:effectLst/>
+              </a:rPr>
+              <a:t>kube</a:t>
+            </a:r>
+            <a:r>
+              <a:rPr lang="en-US" altLang="zh-CN" dirty="0" smtClean="0">
+                <a:effectLst/>
+              </a:rPr>
+              <a:t>-system/services/</a:t>
+            </a:r>
+            <a:r>
+              <a:rPr lang="en-US" altLang="zh-CN" dirty="0" err="1" smtClean="0">
+                <a:effectLst/>
+              </a:rPr>
+              <a:t>kibana</a:t>
+            </a:r>
+            <a:r>
+              <a:rPr lang="en-US" altLang="zh-CN" dirty="0" smtClean="0">
+                <a:effectLst/>
+              </a:rPr>
+              <a:t>-logging/proxy</a:t>
+            </a:r>
+          </a:p>
+          <a:p>
+            <a:endParaRPr kumimoji="1" lang="en-US" altLang="zh-CN" dirty="0" smtClean="0"/>
+          </a:p>
+          <a:p>
+            <a:pPr marL="0" marR="0" indent="0" algn="l" defTabSz="914400" rtl="0" eaLnBrk="1" fontAlgn="auto" latinLnBrk="0" hangingPunct="1">
+              <a:lnSpc>
+                <a:spcPct val="100000"/>
+              </a:lnSpc>
+              <a:spcBef>
+                <a:spcPts val="0"/>
+              </a:spcBef>
+              <a:spcAft>
+                <a:spcPts val="0"/>
+              </a:spcAft>
+              <a:buClrTx/>
+              <a:buSzTx/>
+              <a:buFontTx/>
+              <a:buNone/>
+              <a:tabLst/>
+              <a:defRPr/>
+            </a:pPr>
+            <a:r>
+              <a:rPr lang="en-US" altLang="zh-CN" dirty="0" err="1" smtClean="0">
+                <a:effectLst/>
+              </a:rPr>
+              <a:t>beautifulhao</a:t>
+            </a:r>
+            <a:r>
+              <a:rPr lang="en-US" altLang="zh-CN" dirty="0" smtClean="0">
+                <a:effectLst/>
+              </a:rPr>
+              <a:t>/fluentd-elasticsearch:v2.4.0 </a:t>
+            </a:r>
+          </a:p>
+          <a:p>
+            <a:endParaRPr kumimoji="1" lang="zh-CN" altLang="en-US" dirty="0"/>
+          </a:p>
+        </p:txBody>
+      </p:sp>
+      <p:sp>
+        <p:nvSpPr>
+          <p:cNvPr id="4" name="幻灯片编号占位符 3"/>
+          <p:cNvSpPr>
+            <a:spLocks noGrp="1"/>
+          </p:cNvSpPr>
+          <p:nvPr>
+            <p:ph type="sldNum" sz="quarter" idx="10"/>
+          </p:nvPr>
+        </p:nvSpPr>
+        <p:spPr/>
+        <p:txBody>
+          <a:bodyPr/>
+          <a:lstStyle/>
+          <a:p>
+            <a:fld id="{2A48A843-6325-C940-A430-FD72B9AFF102}" type="slidenum">
+              <a:rPr kumimoji="1" lang="zh-CN" altLang="en-US" smtClean="0"/>
+              <a:t>11</a:t>
+            </a:fld>
+            <a:endParaRPr kumimoji="1" lang="zh-CN" altLang="en-US"/>
+          </a:p>
+        </p:txBody>
+      </p:sp>
+    </p:spTree>
+    <p:extLst>
+      <p:ext uri="{BB962C8B-B14F-4D97-AF65-F5344CB8AC3E}">
+        <p14:creationId xmlns:p14="http://schemas.microsoft.com/office/powerpoint/2010/main" val="2076409739"/>
+      </p:ext>
+    </p:extLst>
+  </p:cSld>
+  <p:clrMapOvr>
+    <a:masterClrMapping/>
+  </p:clrMapOvr>
+</p:notes>
+</file>
+
+<file path=ppt/notesSlides/notesSlide4.xml><?xml version="1.0" encoding="utf-8"?>
+<p:notes xmlns:a="http://schemas.openxmlformats.org/drawingml/2006/main" xmlns:r="http://schemas.openxmlformats.org/officeDocument/2006/relationships" xmlns:p="http://schemas.openxmlformats.org/presentationml/2006/main">
+  <p:cSld>
+    <p:spTree>
+      <p:nvGrpSpPr>
+        <p:cNvPr id="1" name=""/>
+        <p:cNvGrpSpPr/>
+        <p:nvPr/>
+      </p:nvGrpSpPr>
+      <p:grpSpPr>
+        <a:xfrm>
+          <a:off x="0" y="0"/>
+          <a:ext cx="0" cy="0"/>
+          <a:chOff x="0" y="0"/>
+          <a:chExt cx="0" cy="0"/>
+        </a:xfrm>
+      </p:grpSpPr>
+      <p:sp>
+        <p:nvSpPr>
+          <p:cNvPr id="2" name="幻灯片图像占位符 1"/>
+          <p:cNvSpPr>
+            <a:spLocks noGrp="1" noRot="1" noChangeAspect="1"/>
+          </p:cNvSpPr>
+          <p:nvPr>
+            <p:ph type="sldImg"/>
+          </p:nvPr>
+        </p:nvSpPr>
+        <p:spPr/>
+      </p:sp>
+      <p:sp>
+        <p:nvSpPr>
+          <p:cNvPr id="3" name="备注占位符 2"/>
+          <p:cNvSpPr>
+            <a:spLocks noGrp="1"/>
+          </p:cNvSpPr>
+          <p:nvPr>
+            <p:ph type="body" idx="1"/>
+          </p:nvPr>
+        </p:nvSpPr>
+        <p:spPr/>
+        <p:txBody>
+          <a:bodyPr/>
+          <a:lstStyle/>
+          <a:p>
+            <a:endParaRPr kumimoji="1" lang="zh-CN" altLang="en-US" dirty="0"/>
+          </a:p>
+        </p:txBody>
+      </p:sp>
+      <p:sp>
+        <p:nvSpPr>
+          <p:cNvPr id="4" name="幻灯片编号占位符 3"/>
+          <p:cNvSpPr>
+            <a:spLocks noGrp="1"/>
+          </p:cNvSpPr>
+          <p:nvPr>
+            <p:ph type="sldNum" sz="quarter" idx="10"/>
+          </p:nvPr>
+        </p:nvSpPr>
+        <p:spPr/>
+        <p:txBody>
+          <a:bodyPr/>
+          <a:lstStyle/>
+          <a:p>
+            <a:fld id="{2A48A843-6325-C940-A430-FD72B9AFF102}" type="slidenum">
+              <a:rPr kumimoji="1" lang="zh-CN" altLang="en-US" smtClean="0"/>
+              <a:t>12</a:t>
+            </a:fld>
+            <a:endParaRPr kumimoji="1" lang="zh-CN" altLang="en-US"/>
+          </a:p>
+        </p:txBody>
+      </p:sp>
+    </p:spTree>
+    <p:extLst>
+      <p:ext uri="{BB962C8B-B14F-4D97-AF65-F5344CB8AC3E}">
+        <p14:creationId xmlns:p14="http://schemas.microsoft.com/office/powerpoint/2010/main" val="74568757"/>
+      </p:ext>
+    </p:extLst>
+  </p:cSld>
+  <p:clrMapOvr>
+    <a:masterClrMapping/>
+  </p:clrMapOvr>
+</p:notes>
+</file>
+
+<file path=ppt/notesSlides/notesSlide5.xml><?xml version="1.0" encoding="utf-8"?>
+<p:notes xmlns:a="http://schemas.openxmlformats.org/drawingml/2006/main" xmlns:r="http://schemas.openxmlformats.org/officeDocument/2006/relationships" xmlns:p="http://schemas.openxmlformats.org/presentationml/2006/main">
+  <p:cSld>
+    <p:spTree>
+      <p:nvGrpSpPr>
+        <p:cNvPr id="1" name=""/>
+        <p:cNvGrpSpPr/>
+        <p:nvPr/>
+      </p:nvGrpSpPr>
+      <p:grpSpPr>
+        <a:xfrm>
+          <a:off x="0" y="0"/>
+          <a:ext cx="0" cy="0"/>
+          <a:chOff x="0" y="0"/>
+          <a:chExt cx="0" cy="0"/>
+        </a:xfrm>
+      </p:grpSpPr>
+      <p:sp>
+        <p:nvSpPr>
+          <p:cNvPr id="2" name="幻灯片图像占位符 1"/>
+          <p:cNvSpPr>
+            <a:spLocks noGrp="1" noRot="1" noChangeAspect="1"/>
+          </p:cNvSpPr>
+          <p:nvPr>
+            <p:ph type="sldImg"/>
+          </p:nvPr>
+        </p:nvSpPr>
+        <p:spPr/>
+      </p:sp>
+      <p:sp>
+        <p:nvSpPr>
+          <p:cNvPr id="3" name="备注占位符 2"/>
+          <p:cNvSpPr>
+            <a:spLocks noGrp="1"/>
+          </p:cNvSpPr>
+          <p:nvPr>
+            <p:ph type="body" idx="1"/>
+          </p:nvPr>
+        </p:nvSpPr>
+        <p:spPr/>
+        <p:txBody>
+          <a:bodyPr/>
+          <a:lstStyle/>
+          <a:p>
+            <a:endParaRPr kumimoji="1" lang="zh-CN" altLang="en-US" dirty="0"/>
+          </a:p>
+        </p:txBody>
+      </p:sp>
+      <p:sp>
+        <p:nvSpPr>
+          <p:cNvPr id="4" name="幻灯片编号占位符 3"/>
+          <p:cNvSpPr>
+            <a:spLocks noGrp="1"/>
+          </p:cNvSpPr>
+          <p:nvPr>
+            <p:ph type="sldNum" sz="quarter" idx="10"/>
+          </p:nvPr>
+        </p:nvSpPr>
+        <p:spPr/>
+        <p:txBody>
+          <a:bodyPr/>
+          <a:lstStyle/>
+          <a:p>
+            <a:fld id="{2A48A843-6325-C940-A430-FD72B9AFF102}" type="slidenum">
+              <a:rPr kumimoji="1" lang="zh-CN" altLang="en-US" smtClean="0"/>
+              <a:t>13</a:t>
+            </a:fld>
+            <a:endParaRPr kumimoji="1" lang="zh-CN" altLang="en-US"/>
+          </a:p>
+        </p:txBody>
+      </p:sp>
+    </p:spTree>
+    <p:extLst>
+      <p:ext uri="{BB962C8B-B14F-4D97-AF65-F5344CB8AC3E}">
+        <p14:creationId xmlns:p14="http://schemas.microsoft.com/office/powerpoint/2010/main" val="408497023"/>
+      </p:ext>
+    </p:extLst>
+  </p:cSld>
+  <p:clrMapOvr>
+    <a:masterClrMapping/>
+  </p:clrMapOvr>
+</p:notes>
+</file>
+
+<file path=ppt/notesSlides/notesSlide6.xml><?xml version="1.0" encoding="utf-8"?>
+<p:notes xmlns:a="http://schemas.openxmlformats.org/drawingml/2006/main" xmlns:r="http://schemas.openxmlformats.org/officeDocument/2006/relationships" xmlns:p="http://schemas.openxmlformats.org/presentationml/2006/main">
+  <p:cSld>
+    <p:spTree>
+      <p:nvGrpSpPr>
+        <p:cNvPr id="1" name=""/>
+        <p:cNvGrpSpPr/>
+        <p:nvPr/>
+      </p:nvGrpSpPr>
+      <p:grpSpPr>
+        <a:xfrm>
+          <a:off x="0" y="0"/>
+          <a:ext cx="0" cy="0"/>
+          <a:chOff x="0" y="0"/>
+          <a:chExt cx="0" cy="0"/>
+        </a:xfrm>
+      </p:grpSpPr>
+      <p:sp>
+        <p:nvSpPr>
+          <p:cNvPr id="2" name="幻灯片图像占位符 1"/>
+          <p:cNvSpPr>
+            <a:spLocks noGrp="1" noRot="1" noChangeAspect="1"/>
+          </p:cNvSpPr>
+          <p:nvPr>
+            <p:ph type="sldImg"/>
+          </p:nvPr>
+        </p:nvSpPr>
+        <p:spPr/>
+      </p:sp>
+      <p:sp>
+        <p:nvSpPr>
+          <p:cNvPr id="3" name="备注占位符 2"/>
+          <p:cNvSpPr>
+            <a:spLocks noGrp="1"/>
+          </p:cNvSpPr>
+          <p:nvPr>
+            <p:ph type="body" idx="1"/>
+          </p:nvPr>
+        </p:nvSpPr>
+        <p:spPr/>
+        <p:txBody>
+          <a:bodyPr/>
+          <a:lstStyle/>
+          <a:p>
+            <a:pPr marL="0" marR="0" indent="0" algn="l" defTabSz="914400" rtl="0" eaLnBrk="1" fontAlgn="auto" latinLnBrk="0" hangingPunct="1">
+              <a:lnSpc>
+                <a:spcPct val="100000"/>
+              </a:lnSpc>
+              <a:spcBef>
+                <a:spcPts val="0"/>
+              </a:spcBef>
+              <a:spcAft>
+                <a:spcPts val="0"/>
+              </a:spcAft>
+              <a:buClrTx/>
+              <a:buSzTx/>
+              <a:buFontTx/>
+              <a:buNone/>
+              <a:tabLst/>
+              <a:defRPr/>
+            </a:pPr>
+            <a:r>
+              <a:rPr lang="en-US" altLang="zh-CN" dirty="0" err="1" smtClean="0">
+                <a:effectLst/>
+              </a:rPr>
+              <a:t>filebeat-kubernetes.yaml</a:t>
+            </a:r>
+            <a:r>
+              <a:rPr lang="en-US" altLang="zh-CN" dirty="0" smtClean="0">
+                <a:effectLst/>
+              </a:rPr>
+              <a:t>, </a:t>
+            </a:r>
+            <a:r>
+              <a:rPr lang="en-US" altLang="zh-CN" dirty="0" err="1" smtClean="0">
+                <a:effectLst/>
+              </a:rPr>
+              <a:t>metricbeat-kubernetes.yaml</a:t>
+            </a:r>
+            <a:r>
+              <a:rPr lang="en-US" altLang="zh-CN" dirty="0" smtClean="0">
+                <a:effectLst/>
+              </a:rPr>
+              <a:t>, </a:t>
+            </a:r>
+            <a:r>
+              <a:rPr lang="en-US" altLang="zh-CN" dirty="0" err="1" smtClean="0">
+                <a:effectLst/>
+              </a:rPr>
+              <a:t>packetbeat-kubernetes.yaml</a:t>
+            </a:r>
+            <a:r>
+              <a:rPr lang="zh-CN" altLang="en-US" dirty="0" smtClean="0">
+                <a:effectLst/>
+              </a:rPr>
+              <a:t>的</a:t>
+            </a:r>
+            <a:r>
+              <a:rPr lang="en-US" altLang="zh-CN" dirty="0" smtClean="0">
+                <a:effectLst/>
+              </a:rPr>
+              <a:t>image</a:t>
+            </a:r>
+            <a:r>
+              <a:rPr lang="zh-CN" altLang="en-US" dirty="0" smtClean="0">
+                <a:effectLst/>
+              </a:rPr>
+              <a:t>版本都改为</a:t>
+            </a:r>
+            <a:r>
+              <a:rPr lang="en-US" altLang="zh-CN" dirty="0" smtClean="0">
+                <a:effectLst/>
+              </a:rPr>
+              <a:t>6.6.1</a:t>
+            </a:r>
+          </a:p>
+          <a:p>
+            <a:pPr marL="0" marR="0" indent="0" algn="l" defTabSz="914400" rtl="0" eaLnBrk="1" fontAlgn="auto" latinLnBrk="0" hangingPunct="1">
+              <a:lnSpc>
+                <a:spcPct val="100000"/>
+              </a:lnSpc>
+              <a:spcBef>
+                <a:spcPts val="0"/>
+              </a:spcBef>
+              <a:spcAft>
+                <a:spcPts val="0"/>
+              </a:spcAft>
+              <a:buClrTx/>
+              <a:buSzTx/>
+              <a:buFontTx/>
+              <a:buNone/>
+              <a:tabLst/>
+              <a:defRPr/>
+            </a:pPr>
+            <a:endParaRPr lang="en-US" altLang="zh-CN" dirty="0" smtClean="0">
+              <a:effectLst/>
+            </a:endParaRPr>
+          </a:p>
+          <a:p>
+            <a:pPr marL="0" marR="0" indent="0" algn="l" defTabSz="914400" rtl="0" eaLnBrk="1" fontAlgn="auto" latinLnBrk="0" hangingPunct="1">
+              <a:lnSpc>
+                <a:spcPct val="100000"/>
+              </a:lnSpc>
+              <a:spcBef>
+                <a:spcPts val="0"/>
+              </a:spcBef>
+              <a:spcAft>
+                <a:spcPts val="0"/>
+              </a:spcAft>
+              <a:buClrTx/>
+              <a:buSzTx/>
+              <a:buFontTx/>
+              <a:buNone/>
+              <a:tabLst/>
+              <a:defRPr/>
+            </a:pPr>
+            <a:r>
+              <a:rPr lang="en-US" altLang="zh-CN" dirty="0" smtClean="0">
+                <a:effectLst/>
+              </a:rPr>
+              <a:t>index</a:t>
+            </a:r>
+            <a:r>
+              <a:rPr lang="zh-CN" altLang="en-US" dirty="0" smtClean="0">
+                <a:effectLst/>
+              </a:rPr>
+              <a:t>：</a:t>
+            </a:r>
+            <a:r>
+              <a:rPr lang="en-US" altLang="zh-CN" dirty="0" err="1" smtClean="0">
+                <a:effectLst/>
+              </a:rPr>
+              <a:t>filebeat</a:t>
+            </a:r>
+            <a:r>
+              <a:rPr lang="en-US" altLang="zh-CN" dirty="0" smtClean="0">
+                <a:effectLst/>
+              </a:rPr>
+              <a:t>-*, </a:t>
+            </a:r>
+            <a:r>
+              <a:rPr lang="en-US" altLang="zh-CN" dirty="0" err="1" smtClean="0">
+                <a:effectLst/>
+              </a:rPr>
+              <a:t>metricbeat</a:t>
+            </a:r>
+            <a:r>
+              <a:rPr lang="en-US" altLang="zh-CN" dirty="0" smtClean="0">
+                <a:effectLst/>
+              </a:rPr>
+              <a:t>-*, </a:t>
+            </a:r>
+            <a:r>
+              <a:rPr lang="en-US" altLang="zh-CN" dirty="0" err="1" smtClean="0">
+                <a:effectLst/>
+              </a:rPr>
+              <a:t>packetbeat</a:t>
+            </a:r>
+            <a:r>
+              <a:rPr lang="en-US" altLang="zh-CN" dirty="0" smtClean="0">
+                <a:effectLst/>
+              </a:rPr>
+              <a:t>-*</a:t>
+            </a:r>
+          </a:p>
+          <a:p>
+            <a:pPr marL="0" marR="0" indent="0" algn="l" defTabSz="914400" rtl="0" eaLnBrk="1" fontAlgn="auto" latinLnBrk="0" hangingPunct="1">
+              <a:lnSpc>
+                <a:spcPct val="100000"/>
+              </a:lnSpc>
+              <a:spcBef>
+                <a:spcPts val="0"/>
+              </a:spcBef>
+              <a:spcAft>
+                <a:spcPts val="0"/>
+              </a:spcAft>
+              <a:buClrTx/>
+              <a:buSzTx/>
+              <a:buFontTx/>
+              <a:buNone/>
+              <a:tabLst/>
+              <a:defRPr/>
+            </a:pPr>
+            <a:endParaRPr lang="en-US" altLang="zh-CN" dirty="0" smtClean="0">
+              <a:effectLst/>
+            </a:endParaRPr>
+          </a:p>
+          <a:p>
+            <a:pPr marL="0" marR="0" indent="0" algn="l" defTabSz="914400" rtl="0" eaLnBrk="1" fontAlgn="auto" latinLnBrk="0" hangingPunct="1">
+              <a:lnSpc>
+                <a:spcPct val="100000"/>
+              </a:lnSpc>
+              <a:spcBef>
+                <a:spcPts val="0"/>
+              </a:spcBef>
+              <a:spcAft>
+                <a:spcPts val="0"/>
+              </a:spcAft>
+              <a:buClrTx/>
+              <a:buSzTx/>
+              <a:buFontTx/>
+              <a:buNone/>
+              <a:tabLst/>
+              <a:defRPr/>
+            </a:pPr>
+            <a:endParaRPr lang="en-US" altLang="zh-CN" dirty="0" smtClean="0">
+              <a:effectLst/>
+            </a:endParaRPr>
+          </a:p>
+        </p:txBody>
+      </p:sp>
+      <p:sp>
+        <p:nvSpPr>
+          <p:cNvPr id="4" name="幻灯片编号占位符 3"/>
+          <p:cNvSpPr>
+            <a:spLocks noGrp="1"/>
+          </p:cNvSpPr>
+          <p:nvPr>
+            <p:ph type="sldNum" sz="quarter" idx="10"/>
+          </p:nvPr>
+        </p:nvSpPr>
+        <p:spPr/>
+        <p:txBody>
+          <a:bodyPr/>
+          <a:lstStyle/>
+          <a:p>
+            <a:fld id="{2A48A843-6325-C940-A430-FD72B9AFF102}" type="slidenum">
+              <a:rPr kumimoji="1" lang="zh-CN" altLang="en-US" smtClean="0"/>
+              <a:t>14</a:t>
+            </a:fld>
+            <a:endParaRPr kumimoji="1" lang="zh-CN" altLang="en-US"/>
+          </a:p>
+        </p:txBody>
+      </p:sp>
+    </p:spTree>
+    <p:extLst>
+      <p:ext uri="{BB962C8B-B14F-4D97-AF65-F5344CB8AC3E}">
+        <p14:creationId xmlns:p14="http://schemas.microsoft.com/office/powerpoint/2010/main" val="2080746088"/>
+      </p:ext>
+    </p:extLst>
+  </p:cSld>
+  <p:clrMapOvr>
+    <a:masterClrMapping/>
+  </p:clrMapOvr>
+</p:notes>
+</file>
+
+<file path=ppt/notesSlides/notesSlide7.xml><?xml version="1.0" encoding="utf-8"?>
+<p:notes xmlns:a="http://schemas.openxmlformats.org/drawingml/2006/main" xmlns:r="http://schemas.openxmlformats.org/officeDocument/2006/relationships" xmlns:p="http://schemas.openxmlformats.org/presentationml/2006/main">
+  <p:cSld>
+    <p:spTree>
+      <p:nvGrpSpPr>
+        <p:cNvPr id="1" name=""/>
+        <p:cNvGrpSpPr/>
+        <p:nvPr/>
+      </p:nvGrpSpPr>
+      <p:grpSpPr>
+        <a:xfrm>
+          <a:off x="0" y="0"/>
+          <a:ext cx="0" cy="0"/>
+          <a:chOff x="0" y="0"/>
+          <a:chExt cx="0" cy="0"/>
+        </a:xfrm>
+      </p:grpSpPr>
+      <p:sp>
+        <p:nvSpPr>
+          <p:cNvPr id="2" name="幻灯片图像占位符 1"/>
+          <p:cNvSpPr>
+            <a:spLocks noGrp="1" noRot="1" noChangeAspect="1"/>
+          </p:cNvSpPr>
+          <p:nvPr>
+            <p:ph type="sldImg"/>
+          </p:nvPr>
+        </p:nvSpPr>
+        <p:spPr/>
+      </p:sp>
+      <p:sp>
+        <p:nvSpPr>
+          <p:cNvPr id="3" name="备注占位符 2"/>
+          <p:cNvSpPr>
+            <a:spLocks noGrp="1"/>
+          </p:cNvSpPr>
+          <p:nvPr>
+            <p:ph type="body" idx="1"/>
+          </p:nvPr>
+        </p:nvSpPr>
+        <p:spPr/>
+        <p:txBody>
+          <a:bodyPr/>
+          <a:lstStyle/>
+          <a:p>
+            <a:endParaRPr kumimoji="1" lang="zh-CN" altLang="en-US" dirty="0"/>
+          </a:p>
+        </p:txBody>
+      </p:sp>
+      <p:sp>
+        <p:nvSpPr>
+          <p:cNvPr id="4" name="幻灯片编号占位符 3"/>
+          <p:cNvSpPr>
+            <a:spLocks noGrp="1"/>
+          </p:cNvSpPr>
+          <p:nvPr>
+            <p:ph type="sldNum" sz="quarter" idx="10"/>
+          </p:nvPr>
+        </p:nvSpPr>
+        <p:spPr/>
+        <p:txBody>
+          <a:bodyPr/>
+          <a:lstStyle/>
+          <a:p>
+            <a:fld id="{2A48A843-6325-C940-A430-FD72B9AFF102}" type="slidenum">
+              <a:rPr kumimoji="1" lang="zh-CN" altLang="en-US" smtClean="0"/>
+              <a:t>15</a:t>
+            </a:fld>
+            <a:endParaRPr kumimoji="1" lang="zh-CN" altLang="en-US"/>
+          </a:p>
+        </p:txBody>
+      </p:sp>
+    </p:spTree>
+    <p:extLst>
+      <p:ext uri="{BB962C8B-B14F-4D97-AF65-F5344CB8AC3E}">
+        <p14:creationId xmlns:p14="http://schemas.microsoft.com/office/powerpoint/2010/main" val="717631887"/>
+      </p:ext>
+    </p:extLst>
+  </p:cSld>
+  <p:clrMapOvr>
+    <a:masterClrMapping/>
+  </p:clrMapOvr>
+</p:notes>
+</file>
+
 <file path=ppt/slideLayouts/slideLayout1.xml><?xml version="1.0" encoding="utf-8"?>
 <p:sldLayout xmlns:a="http://schemas.openxmlformats.org/drawingml/2006/main" xmlns:r="http://schemas.openxmlformats.org/officeDocument/2006/relationships" xmlns:p="http://schemas.openxmlformats.org/presentationml/2006/main" type="title" preserve="1">
   <p:cSld name="标题幻灯片">
@@ -561,7 +1813,7 @@
           <a:effectLst/>
           <a:extLst>
             <a:ext uri="{91240B29-F687-4f45-9708-019B960494DF}">
-              <a14:hiddenLine xmlns:a14="http://schemas.microsoft.com/office/drawing/2010/main" xmlns="" w="9525">
+              <a14:hiddenLine xmlns="" xmlns:a14="http://schemas.microsoft.com/office/drawing/2010/main" w="9525">
                 <a:solidFill>
                   <a:srgbClr val="000000"/>
                 </a:solidFill>
@@ -754,7 +2006,7 @@
             <a:fld id="{08B9EBBA-996F-894A-B54A-D6246ED52CEA}" type="datetimeFigureOut">
               <a:rPr lang="en-US" dirty="0"/>
               <a:pPr/>
-              <a:t>6/23/19</a:t>
+              <a:t>6/27/19</a:t>
             </a:fld>
             <a:endParaRPr lang="en-US" dirty="0"/>
           </a:p>
@@ -1069,7 +2321,7 @@
             <a:fld id="{18C79C5D-2A6F-F04D-97DA-BEF2467B64E4}" type="datetimeFigureOut">
               <a:rPr lang="en-US" dirty="0"/>
               <a:pPr/>
-              <a:t>6/23/19</a:t>
+              <a:t>6/27/19</a:t>
             </a:fld>
             <a:endParaRPr lang="en-US" dirty="0"/>
           </a:p>
@@ -1554,7 +2806,7 @@
             <a:fld id="{8DFA1846-DA80-1C48-A609-854EA85C59AD}" type="datetimeFigureOut">
               <a:rPr lang="en-US" dirty="0"/>
               <a:pPr/>
-              <a:t>6/23/19</a:t>
+              <a:t>6/27/19</a:t>
             </a:fld>
             <a:endParaRPr lang="en-US" dirty="0"/>
           </a:p>
@@ -1920,7 +3172,7 @@
             <a:fld id="{FBF54567-0DE4-3F47-BF90-CB84690072F9}" type="datetimeFigureOut">
               <a:rPr lang="en-US" dirty="0"/>
               <a:pPr/>
-              <a:t>6/23/19</a:t>
+              <a:t>6/27/19</a:t>
             </a:fld>
             <a:endParaRPr lang="en-US" dirty="0"/>
           </a:p>
@@ -2071,7 +3323,7 @@
           <a:ln/>
           <a:extLst>
             <a:ext uri="{91240B29-F687-4f45-9708-019B960494DF}">
-              <a14:hiddenLine xmlns:a14="http://schemas.microsoft.com/office/drawing/2010/main" xmlns="" w="9525">
+              <a14:hiddenLine xmlns="" xmlns:a14="http://schemas.microsoft.com/office/drawing/2010/main" w="9525">
                 <a:solidFill>
                   <a:srgbClr val="000000"/>
                 </a:solidFill>
@@ -2190,7 +3442,7 @@
             <a:fld id="{C6C52C72-DE31-F449-A4ED-4C594FD91407}" type="datetimeFigureOut">
               <a:rPr lang="en-US" dirty="0"/>
               <a:pPr/>
-              <a:t>6/23/19</a:t>
+              <a:t>6/27/19</a:t>
             </a:fld>
             <a:endParaRPr lang="en-US" dirty="0"/>
           </a:p>
@@ -2343,7 +3595,7 @@
           <a:ln/>
           <a:extLst>
             <a:ext uri="{91240B29-F687-4f45-9708-019B960494DF}">
-              <a14:hiddenLine xmlns:a14="http://schemas.microsoft.com/office/drawing/2010/main" xmlns="" w="9525">
+              <a14:hiddenLine xmlns="" xmlns:a14="http://schemas.microsoft.com/office/drawing/2010/main" w="9525">
                 <a:solidFill>
                   <a:srgbClr val="000000"/>
                 </a:solidFill>
@@ -2472,7 +3724,7 @@
             <a:fld id="{ED62726E-379B-B349-9EED-81ED093FA806}" type="datetimeFigureOut">
               <a:rPr lang="en-US" dirty="0"/>
               <a:pPr/>
-              <a:t>6/23/19</a:t>
+              <a:t>6/27/19</a:t>
             </a:fld>
             <a:endParaRPr lang="en-US" dirty="0"/>
           </a:p>
@@ -2623,7 +3875,7 @@
           <a:ln/>
           <a:extLst>
             <a:ext uri="{91240B29-F687-4f45-9708-019B960494DF}">
-              <a14:hiddenLine xmlns:a14="http://schemas.microsoft.com/office/drawing/2010/main" xmlns="" w="9525">
+              <a14:hiddenLine xmlns="" xmlns:a14="http://schemas.microsoft.com/office/drawing/2010/main" w="9525">
                 <a:solidFill>
                   <a:srgbClr val="000000"/>
                 </a:solidFill>
@@ -2752,7 +4004,7 @@
             <a:fld id="{9B3A1323-8D79-1946-B0D7-40001CF92E9D}" type="datetimeFigureOut">
               <a:rPr lang="en-US" dirty="0"/>
               <a:pPr/>
-              <a:t>6/23/19</a:t>
+              <a:t>6/27/19</a:t>
             </a:fld>
             <a:endParaRPr lang="en-US" dirty="0"/>
           </a:p>
@@ -3092,7 +4344,7 @@
             <a:fld id="{8DFA1846-DA80-1C48-A609-854EA85C59AD}" type="datetimeFigureOut">
               <a:rPr lang="en-US" dirty="0"/>
               <a:pPr/>
-              <a:t>6/23/19</a:t>
+              <a:t>6/27/19</a:t>
             </a:fld>
             <a:endParaRPr lang="en-US" dirty="0"/>
           </a:p>
@@ -3243,7 +4495,7 @@
           <a:ln/>
           <a:extLst>
             <a:ext uri="{91240B29-F687-4f45-9708-019B960494DF}">
-              <a14:hiddenLine xmlns:a14="http://schemas.microsoft.com/office/drawing/2010/main" xmlns="" w="9525">
+              <a14:hiddenLine xmlns="" xmlns:a14="http://schemas.microsoft.com/office/drawing/2010/main" w="9525">
                 <a:solidFill>
                   <a:srgbClr val="000000"/>
                 </a:solidFill>
@@ -3428,7 +4680,7 @@
             <a:fld id="{57302355-E14B-8545-A8F8-0FE83CC9D524}" type="datetimeFigureOut">
               <a:rPr lang="en-US" dirty="0"/>
               <a:pPr/>
-              <a:t>6/23/19</a:t>
+              <a:t>6/27/19</a:t>
             </a:fld>
             <a:endParaRPr lang="en-US" dirty="0"/>
           </a:p>
@@ -3579,7 +4831,7 @@
           <a:ln/>
           <a:extLst>
             <a:ext uri="{91240B29-F687-4f45-9708-019B960494DF}">
-              <a14:hiddenLine xmlns:a14="http://schemas.microsoft.com/office/drawing/2010/main" xmlns="" w="9525">
+              <a14:hiddenLine xmlns="" xmlns:a14="http://schemas.microsoft.com/office/drawing/2010/main" w="9525">
                 <a:solidFill>
                   <a:srgbClr val="000000"/>
                 </a:solidFill>
@@ -3902,7 +5154,7 @@
             <a:fld id="{02640F58-564D-2B4F-AE67-E407BA4FCF45}" type="datetimeFigureOut">
               <a:rPr lang="en-US" dirty="0"/>
               <a:pPr/>
-              <a:t>6/23/19</a:t>
+              <a:t>6/27/19</a:t>
             </a:fld>
             <a:endParaRPr lang="en-US" dirty="0"/>
           </a:p>
@@ -4053,7 +5305,7 @@
           <a:ln/>
           <a:extLst>
             <a:ext uri="{91240B29-F687-4f45-9708-019B960494DF}">
-              <a14:hiddenLine xmlns:a14="http://schemas.microsoft.com/office/drawing/2010/main" xmlns="" w="9525">
+              <a14:hiddenLine xmlns="" xmlns:a14="http://schemas.microsoft.com/office/drawing/2010/main" w="9525">
                 <a:solidFill>
                   <a:srgbClr val="000000"/>
                 </a:solidFill>
@@ -4120,7 +5372,7 @@
             <a:fld id="{F13A34C8-038E-2045-AF43-DF7DBB8E0E9E}" type="datetimeFigureOut">
               <a:rPr lang="en-US" dirty="0"/>
               <a:pPr/>
-              <a:t>6/23/19</a:t>
+              <a:t>6/27/19</a:t>
             </a:fld>
             <a:endParaRPr lang="en-US" dirty="0"/>
           </a:p>
@@ -4212,7 +5464,7 @@
             <a:fld id="{8818C68F-D26B-8F47-958C-23B49CF8A634}" type="datetimeFigureOut">
               <a:rPr lang="en-US" dirty="0"/>
               <a:pPr/>
-              <a:t>6/23/19</a:t>
+              <a:t>6/27/19</a:t>
             </a:fld>
             <a:endParaRPr lang="en-US" dirty="0"/>
           </a:p>
@@ -4476,7 +5728,7 @@
           <a:ln/>
           <a:extLst>
             <a:ext uri="{91240B29-F687-4f45-9708-019B960494DF}">
-              <a14:hiddenLine xmlns:a14="http://schemas.microsoft.com/office/drawing/2010/main" xmlns="" w="9525">
+              <a14:hiddenLine xmlns="" xmlns:a14="http://schemas.microsoft.com/office/drawing/2010/main" w="9525">
                 <a:solidFill>
                   <a:srgbClr val="000000"/>
                 </a:solidFill>
@@ -4676,7 +5928,7 @@
             <a:fld id="{D0DF5E60-9974-AC48-9591-99C2BB44B7CF}" type="datetimeFigureOut">
               <a:rPr lang="en-US" dirty="0"/>
               <a:pPr/>
-              <a:t>6/23/19</a:t>
+              <a:t>6/27/19</a:t>
             </a:fld>
             <a:endParaRPr lang="en-US" dirty="0"/>
           </a:p>
@@ -4986,7 +6238,7 @@
             <a:fld id="{18C79C5D-2A6F-F04D-97DA-BEF2467B64E4}" type="datetimeFigureOut">
               <a:rPr lang="en-US" dirty="0"/>
               <a:pPr/>
-              <a:t>6/23/19</a:t>
+              <a:t>6/27/19</a:t>
             </a:fld>
             <a:endParaRPr lang="en-US" dirty="0"/>
           </a:p>
@@ -5253,7 +6505,7 @@
             <a:fld id="{09B482E8-6E0E-1B4F-B1FD-C69DB9E858D9}" type="datetimeFigureOut">
               <a:rPr lang="en-US" dirty="0"/>
               <a:pPr/>
-              <a:t>6/23/19</a:t>
+              <a:t>6/27/19</a:t>
             </a:fld>
             <a:endParaRPr lang="en-US" dirty="0"/>
           </a:p>
@@ -5786,6 +7038,1229 @@
 </p:sld>
 </file>
 
+<file path=ppt/slides/slide10.xml><?xml version="1.0" encoding="utf-8"?>
+<p:sld xmlns:a="http://schemas.openxmlformats.org/drawingml/2006/main" xmlns:r="http://schemas.openxmlformats.org/officeDocument/2006/relationships" xmlns:p="http://schemas.openxmlformats.org/presentationml/2006/main">
+  <p:cSld>
+    <p:spTree>
+      <p:nvGrpSpPr>
+        <p:cNvPr id="1" name=""/>
+        <p:cNvGrpSpPr/>
+        <p:nvPr/>
+      </p:nvGrpSpPr>
+      <p:grpSpPr>
+        <a:xfrm>
+          <a:off x="0" y="0"/>
+          <a:ext cx="0" cy="0"/>
+          <a:chOff x="0" y="0"/>
+          <a:chExt cx="0" cy="0"/>
+        </a:xfrm>
+      </p:grpSpPr>
+      <p:sp>
+        <p:nvSpPr>
+          <p:cNvPr id="2" name="标题 1"/>
+          <p:cNvSpPr>
+            <a:spLocks noGrp="1"/>
+          </p:cNvSpPr>
+          <p:nvPr>
+            <p:ph type="title"/>
+          </p:nvPr>
+        </p:nvSpPr>
+        <p:spPr/>
+        <p:txBody>
+          <a:bodyPr/>
+          <a:lstStyle/>
+          <a:p>
+            <a:r>
+              <a:rPr kumimoji="1" lang="en-US" altLang="zh-CN" dirty="0"/>
+              <a:t>Kubernetes-</a:t>
+            </a:r>
+            <a:r>
+              <a:rPr kumimoji="1" lang="en-US" altLang="zh-CN" dirty="0" err="1"/>
+              <a:t>mixin</a:t>
+            </a:r>
+            <a:endParaRPr kumimoji="1" lang="zh-CN" altLang="en-US" dirty="0"/>
+          </a:p>
+        </p:txBody>
+      </p:sp>
+      <p:sp>
+        <p:nvSpPr>
+          <p:cNvPr id="3" name="内容占位符 2"/>
+          <p:cNvSpPr>
+            <a:spLocks noGrp="1"/>
+          </p:cNvSpPr>
+          <p:nvPr>
+            <p:ph idx="1"/>
+          </p:nvPr>
+        </p:nvSpPr>
+        <p:spPr/>
+        <p:txBody>
+          <a:bodyPr/>
+          <a:lstStyle/>
+          <a:p>
+            <a:r>
+              <a:rPr lang="en-US" altLang="zh-CN" dirty="0" err="1"/>
+              <a:t>kubeadm</a:t>
+            </a:r>
+            <a:r>
+              <a:rPr lang="en-US" altLang="zh-CN" dirty="0"/>
+              <a:t> upgrade apply --</a:t>
+            </a:r>
+            <a:r>
+              <a:rPr lang="en-US" altLang="zh-CN" dirty="0" err="1"/>
+              <a:t>config</a:t>
+            </a:r>
+            <a:r>
+              <a:rPr lang="en-US" altLang="zh-CN" dirty="0"/>
+              <a:t> </a:t>
+            </a:r>
+            <a:r>
+              <a:rPr lang="en-US" altLang="zh-CN" dirty="0" err="1"/>
+              <a:t>kubeadm-config.yaml</a:t>
+            </a:r>
+            <a:endParaRPr lang="en-US" altLang="zh-CN" dirty="0"/>
+          </a:p>
+          <a:p>
+            <a:r>
+              <a:rPr lang="en-US" altLang="zh-CN" dirty="0" err="1"/>
+              <a:t>kubectl</a:t>
+            </a:r>
+            <a:r>
+              <a:rPr lang="en-US" altLang="zh-CN" dirty="0"/>
+              <a:t> create -f controller-</a:t>
+            </a:r>
+            <a:r>
+              <a:rPr lang="en-US" altLang="zh-CN" dirty="0" err="1"/>
+              <a:t>service.yaml</a:t>
+            </a:r>
+            <a:r>
+              <a:rPr lang="en-US" altLang="zh-CN" dirty="0"/>
+              <a:t> </a:t>
+            </a:r>
+          </a:p>
+          <a:p>
+            <a:endParaRPr kumimoji="1" lang="zh-CN" altLang="en-US" dirty="0"/>
+          </a:p>
+        </p:txBody>
+      </p:sp>
+    </p:spTree>
+    <p:extLst>
+      <p:ext uri="{BB962C8B-B14F-4D97-AF65-F5344CB8AC3E}">
+        <p14:creationId xmlns:p14="http://schemas.microsoft.com/office/powerpoint/2010/main" val="1064864696"/>
+      </p:ext>
+    </p:extLst>
+  </p:cSld>
+  <p:clrMapOvr>
+    <a:masterClrMapping/>
+  </p:clrMapOvr>
+</p:sld>
+</file>
+
+<file path=ppt/slides/slide11.xml><?xml version="1.0" encoding="utf-8"?>
+<p:sld xmlns:a="http://schemas.openxmlformats.org/drawingml/2006/main" xmlns:r="http://schemas.openxmlformats.org/officeDocument/2006/relationships" xmlns:p="http://schemas.openxmlformats.org/presentationml/2006/main">
+  <p:cSld>
+    <p:spTree>
+      <p:nvGrpSpPr>
+        <p:cNvPr id="1" name=""/>
+        <p:cNvGrpSpPr/>
+        <p:nvPr/>
+      </p:nvGrpSpPr>
+      <p:grpSpPr>
+        <a:xfrm>
+          <a:off x="0" y="0"/>
+          <a:ext cx="0" cy="0"/>
+          <a:chOff x="0" y="0"/>
+          <a:chExt cx="0" cy="0"/>
+        </a:xfrm>
+      </p:grpSpPr>
+      <p:sp>
+        <p:nvSpPr>
+          <p:cNvPr id="2" name="标题 1"/>
+          <p:cNvSpPr>
+            <a:spLocks noGrp="1"/>
+          </p:cNvSpPr>
+          <p:nvPr>
+            <p:ph type="title"/>
+          </p:nvPr>
+        </p:nvSpPr>
+        <p:spPr/>
+        <p:txBody>
+          <a:bodyPr/>
+          <a:lstStyle/>
+          <a:p>
+            <a:r>
+              <a:rPr kumimoji="1" lang="en-US" altLang="zh-CN" dirty="0" smtClean="0"/>
+              <a:t>EFK</a:t>
+            </a:r>
+            <a:endParaRPr kumimoji="1" lang="zh-CN" altLang="en-US" dirty="0"/>
+          </a:p>
+        </p:txBody>
+      </p:sp>
+      <p:sp>
+        <p:nvSpPr>
+          <p:cNvPr id="3" name="内容占位符 2"/>
+          <p:cNvSpPr>
+            <a:spLocks noGrp="1"/>
+          </p:cNvSpPr>
+          <p:nvPr>
+            <p:ph idx="1"/>
+          </p:nvPr>
+        </p:nvSpPr>
+        <p:spPr/>
+        <p:txBody>
+          <a:bodyPr>
+            <a:normAutofit fontScale="92500" lnSpcReduction="10000"/>
+          </a:bodyPr>
+          <a:lstStyle/>
+          <a:p>
+            <a:r>
+              <a:rPr lang="en-US" altLang="zh-CN" dirty="0" err="1"/>
+              <a:t>kubectl</a:t>
+            </a:r>
+            <a:r>
+              <a:rPr lang="en-US" altLang="zh-CN" dirty="0"/>
+              <a:t> taint nodes --all node-</a:t>
+            </a:r>
+            <a:r>
+              <a:rPr lang="en-US" altLang="zh-CN" dirty="0" err="1"/>
+              <a:t>role.kubernetes.io</a:t>
+            </a:r>
+            <a:r>
+              <a:rPr lang="en-US" altLang="zh-CN" dirty="0"/>
+              <a:t>/master-</a:t>
+            </a:r>
+          </a:p>
+          <a:p>
+            <a:r>
+              <a:rPr kumimoji="1" lang="en-US" altLang="zh-CN" dirty="0" err="1" smtClean="0"/>
+              <a:t>git</a:t>
+            </a:r>
+            <a:r>
+              <a:rPr kumimoji="1" lang="zh-CN" altLang="en-US" dirty="0" smtClean="0"/>
+              <a:t> </a:t>
+            </a:r>
+            <a:r>
+              <a:rPr kumimoji="1" lang="en-US" altLang="zh-CN" dirty="0" smtClean="0"/>
+              <a:t>clone</a:t>
+            </a:r>
+            <a:r>
+              <a:rPr kumimoji="1" lang="zh-CN" altLang="en-US" dirty="0" smtClean="0"/>
+              <a:t> </a:t>
+            </a:r>
+            <a:r>
+              <a:rPr lang="en-US" altLang="zh-CN" u="sng" dirty="0">
+                <a:hlinkClick r:id="rId3"/>
+              </a:rPr>
+              <a:t>https://github.com/kubernetes/kubernetes/tree/master/cluster/addons/fluentd-elasticsearch</a:t>
+            </a:r>
+            <a:endParaRPr lang="en-US" altLang="zh-CN" dirty="0"/>
+          </a:p>
+          <a:p>
+            <a:endParaRPr kumimoji="1" lang="en-US" altLang="zh-CN" dirty="0" smtClean="0"/>
+          </a:p>
+          <a:p>
+            <a:r>
+              <a:rPr lang="en-US" altLang="zh-CN" dirty="0" err="1"/>
+              <a:t>kubectl</a:t>
+            </a:r>
+            <a:r>
+              <a:rPr lang="en-US" altLang="zh-CN" dirty="0"/>
+              <a:t> apply -f </a:t>
+            </a:r>
+            <a:r>
+              <a:rPr lang="en-US" altLang="zh-CN" dirty="0" err="1"/>
+              <a:t>es-statefulset.yaml</a:t>
+            </a:r>
+            <a:r>
+              <a:rPr lang="en-US" altLang="zh-CN" dirty="0"/>
+              <a:t> </a:t>
+            </a:r>
+          </a:p>
+          <a:p>
+            <a:r>
+              <a:rPr lang="en-US" altLang="zh-CN" dirty="0" err="1"/>
+              <a:t>kubectl</a:t>
+            </a:r>
+            <a:r>
+              <a:rPr lang="en-US" altLang="zh-CN" dirty="0"/>
+              <a:t> apply -f </a:t>
+            </a:r>
+            <a:r>
+              <a:rPr lang="en-US" altLang="zh-CN" dirty="0" err="1"/>
+              <a:t>es-service.yaml</a:t>
+            </a:r>
+            <a:r>
+              <a:rPr lang="en-US" altLang="zh-CN" dirty="0"/>
+              <a:t> </a:t>
+            </a:r>
+          </a:p>
+          <a:p>
+            <a:r>
+              <a:rPr lang="en-US" altLang="zh-CN" dirty="0" err="1"/>
+              <a:t>kubectl</a:t>
+            </a:r>
+            <a:r>
+              <a:rPr lang="en-US" altLang="zh-CN" dirty="0"/>
+              <a:t> apply -f </a:t>
+            </a:r>
+            <a:r>
+              <a:rPr lang="en-US" altLang="zh-CN" dirty="0" err="1"/>
+              <a:t>kibana-deployment.yaml</a:t>
+            </a:r>
+            <a:r>
+              <a:rPr lang="en-US" altLang="zh-CN" dirty="0"/>
+              <a:t> </a:t>
+            </a:r>
+          </a:p>
+          <a:p>
+            <a:r>
+              <a:rPr lang="en-US" altLang="zh-CN" dirty="0" err="1"/>
+              <a:t>kubectl</a:t>
+            </a:r>
+            <a:r>
+              <a:rPr lang="en-US" altLang="zh-CN" dirty="0"/>
+              <a:t> apply -f </a:t>
+            </a:r>
+            <a:r>
+              <a:rPr lang="en-US" altLang="zh-CN" dirty="0" err="1"/>
+              <a:t>kibana-service.yaml</a:t>
+            </a:r>
+            <a:r>
+              <a:rPr lang="en-US" altLang="zh-CN" dirty="0"/>
+              <a:t> </a:t>
+            </a:r>
+          </a:p>
+          <a:p>
+            <a:r>
+              <a:rPr lang="en-US" altLang="zh-CN" dirty="0" err="1"/>
+              <a:t>kubectl</a:t>
+            </a:r>
+            <a:r>
+              <a:rPr lang="en-US" altLang="zh-CN" dirty="0"/>
+              <a:t> apply -f </a:t>
+            </a:r>
+            <a:r>
+              <a:rPr lang="en-US" altLang="zh-CN" dirty="0" err="1"/>
+              <a:t>fluentd-es-configmap.yaml</a:t>
+            </a:r>
+            <a:endParaRPr lang="en-US" altLang="zh-CN" dirty="0"/>
+          </a:p>
+          <a:p>
+            <a:r>
+              <a:rPr lang="en-US" altLang="zh-CN" dirty="0" err="1"/>
+              <a:t>kubectl</a:t>
+            </a:r>
+            <a:r>
+              <a:rPr lang="en-US" altLang="zh-CN" dirty="0"/>
+              <a:t> apply -f </a:t>
+            </a:r>
+            <a:r>
+              <a:rPr lang="en-US" altLang="zh-CN" dirty="0" err="1"/>
+              <a:t>fluentd-es-ds.yaml</a:t>
+            </a:r>
+            <a:r>
+              <a:rPr lang="en-US" altLang="zh-CN" dirty="0"/>
+              <a:t> </a:t>
+            </a:r>
+          </a:p>
+          <a:p>
+            <a:endParaRPr kumimoji="1" lang="zh-CN" altLang="en-US" dirty="0"/>
+          </a:p>
+        </p:txBody>
+      </p:sp>
+    </p:spTree>
+    <p:extLst>
+      <p:ext uri="{BB962C8B-B14F-4D97-AF65-F5344CB8AC3E}">
+        <p14:creationId xmlns:p14="http://schemas.microsoft.com/office/powerpoint/2010/main" val="828218483"/>
+      </p:ext>
+    </p:extLst>
+  </p:cSld>
+  <p:clrMapOvr>
+    <a:masterClrMapping/>
+  </p:clrMapOvr>
+</p:sld>
+</file>
+
+<file path=ppt/slides/slide12.xml><?xml version="1.0" encoding="utf-8"?>
+<p:sld xmlns:a="http://schemas.openxmlformats.org/drawingml/2006/main" xmlns:r="http://schemas.openxmlformats.org/officeDocument/2006/relationships" xmlns:p="http://schemas.openxmlformats.org/presentationml/2006/main">
+  <p:cSld>
+    <p:spTree>
+      <p:nvGrpSpPr>
+        <p:cNvPr id="1" name=""/>
+        <p:cNvGrpSpPr/>
+        <p:nvPr/>
+      </p:nvGrpSpPr>
+      <p:grpSpPr>
+        <a:xfrm>
+          <a:off x="0" y="0"/>
+          <a:ext cx="0" cy="0"/>
+          <a:chOff x="0" y="0"/>
+          <a:chExt cx="0" cy="0"/>
+        </a:xfrm>
+      </p:grpSpPr>
+      <p:sp>
+        <p:nvSpPr>
+          <p:cNvPr id="2" name="标题 1"/>
+          <p:cNvSpPr>
+            <a:spLocks noGrp="1"/>
+          </p:cNvSpPr>
+          <p:nvPr>
+            <p:ph type="title"/>
+          </p:nvPr>
+        </p:nvSpPr>
+        <p:spPr/>
+        <p:txBody>
+          <a:bodyPr/>
+          <a:lstStyle/>
+          <a:p>
+            <a:r>
+              <a:rPr kumimoji="1" lang="en-US" altLang="zh-CN" dirty="0" smtClean="0"/>
+              <a:t>EFK</a:t>
+            </a:r>
+            <a:endParaRPr kumimoji="1" lang="zh-CN" altLang="en-US" dirty="0"/>
+          </a:p>
+        </p:txBody>
+      </p:sp>
+      <p:sp>
+        <p:nvSpPr>
+          <p:cNvPr id="3" name="内容占位符 2"/>
+          <p:cNvSpPr>
+            <a:spLocks noGrp="1"/>
+          </p:cNvSpPr>
+          <p:nvPr>
+            <p:ph idx="1"/>
+          </p:nvPr>
+        </p:nvSpPr>
+        <p:spPr/>
+        <p:txBody>
+          <a:bodyPr>
+            <a:normAutofit/>
+          </a:bodyPr>
+          <a:lstStyle/>
+          <a:p>
+            <a:r>
+              <a:rPr lang="en-US" altLang="zh-CN" dirty="0" err="1"/>
+              <a:t>kubectl</a:t>
+            </a:r>
+            <a:r>
+              <a:rPr lang="en-US" altLang="zh-CN" dirty="0"/>
+              <a:t> edit svc </a:t>
+            </a:r>
+            <a:r>
+              <a:rPr lang="en-US" altLang="zh-CN" dirty="0" err="1"/>
+              <a:t>kibana</a:t>
+            </a:r>
+            <a:r>
+              <a:rPr lang="en-US" altLang="zh-CN" dirty="0"/>
+              <a:t>-logging -n </a:t>
+            </a:r>
+            <a:r>
+              <a:rPr lang="en-US" altLang="zh-CN" dirty="0" err="1"/>
+              <a:t>kube</a:t>
+            </a:r>
+            <a:r>
+              <a:rPr lang="en-US" altLang="zh-CN" dirty="0"/>
+              <a:t>-system</a:t>
+            </a:r>
+          </a:p>
+          <a:p>
+            <a:pPr lvl="1"/>
+            <a:r>
+              <a:rPr lang="en-US" altLang="zh-CN" dirty="0" err="1"/>
+              <a:t>ClusterIP</a:t>
+            </a:r>
+            <a:r>
+              <a:rPr lang="en-US" altLang="zh-CN" dirty="0"/>
+              <a:t>-&gt;</a:t>
+            </a:r>
+            <a:r>
+              <a:rPr lang="en-US" altLang="zh-CN" dirty="0" err="1"/>
+              <a:t>NodePort</a:t>
+            </a:r>
+            <a:endParaRPr lang="en-US" altLang="zh-CN" dirty="0"/>
+          </a:p>
+          <a:p>
+            <a:r>
+              <a:rPr lang="en-US" altLang="zh-CN" dirty="0" err="1"/>
+              <a:t>kubectl</a:t>
+            </a:r>
+            <a:r>
+              <a:rPr lang="en-US" altLang="zh-CN" dirty="0"/>
+              <a:t> get pod -n </a:t>
+            </a:r>
+            <a:r>
+              <a:rPr lang="en-US" altLang="zh-CN" dirty="0" err="1"/>
+              <a:t>kube</a:t>
+            </a:r>
+            <a:r>
+              <a:rPr lang="en-US" altLang="zh-CN" dirty="0"/>
+              <a:t>-system</a:t>
+            </a:r>
+          </a:p>
+          <a:p>
+            <a:r>
+              <a:rPr lang="en-US" altLang="zh-CN" dirty="0"/>
+              <a:t>curl 10.104.14.82:9200</a:t>
+            </a:r>
+          </a:p>
+          <a:p>
+            <a:r>
+              <a:rPr lang="de-DE" altLang="zh-CN" u="sng" dirty="0">
+                <a:hlinkClick r:id="rId3"/>
+              </a:rPr>
+              <a:t>http://52.82.13.34:32087/app/kibana</a:t>
+            </a:r>
+            <a:endParaRPr lang="de-DE" altLang="zh-CN" dirty="0"/>
+          </a:p>
+          <a:p>
+            <a:pPr lvl="1"/>
+            <a:r>
+              <a:rPr lang="zh-CN" altLang="de-DE" dirty="0"/>
+              <a:t>创建</a:t>
+            </a:r>
+            <a:r>
+              <a:rPr lang="de-DE" altLang="zh-CN" dirty="0" err="1"/>
+              <a:t>index</a:t>
+            </a:r>
+            <a:r>
+              <a:rPr lang="zh-CN" altLang="de-DE" dirty="0"/>
+              <a:t>：</a:t>
+            </a:r>
+            <a:r>
+              <a:rPr lang="de-DE" altLang="zh-CN" dirty="0" err="1"/>
+              <a:t>logstash</a:t>
+            </a:r>
+            <a:r>
+              <a:rPr lang="de-DE" altLang="zh-CN" dirty="0"/>
+              <a:t>-</a:t>
+            </a:r>
+            <a:r>
+              <a:rPr lang="de-DE" altLang="zh-CN" dirty="0" smtClean="0"/>
+              <a:t>*</a:t>
+            </a:r>
+            <a:endParaRPr lang="de-DE" altLang="zh-CN" dirty="0"/>
+          </a:p>
+        </p:txBody>
+      </p:sp>
+    </p:spTree>
+    <p:extLst>
+      <p:ext uri="{BB962C8B-B14F-4D97-AF65-F5344CB8AC3E}">
+        <p14:creationId xmlns:p14="http://schemas.microsoft.com/office/powerpoint/2010/main" val="507519463"/>
+      </p:ext>
+    </p:extLst>
+  </p:cSld>
+  <p:clrMapOvr>
+    <a:masterClrMapping/>
+  </p:clrMapOvr>
+</p:sld>
+</file>
+
+<file path=ppt/slides/slide13.xml><?xml version="1.0" encoding="utf-8"?>
+<p:sld xmlns:a="http://schemas.openxmlformats.org/drawingml/2006/main" xmlns:r="http://schemas.openxmlformats.org/officeDocument/2006/relationships" xmlns:p="http://schemas.openxmlformats.org/presentationml/2006/main">
+  <p:cSld>
+    <p:spTree>
+      <p:nvGrpSpPr>
+        <p:cNvPr id="1" name=""/>
+        <p:cNvGrpSpPr/>
+        <p:nvPr/>
+      </p:nvGrpSpPr>
+      <p:grpSpPr>
+        <a:xfrm>
+          <a:off x="0" y="0"/>
+          <a:ext cx="0" cy="0"/>
+          <a:chOff x="0" y="0"/>
+          <a:chExt cx="0" cy="0"/>
+        </a:xfrm>
+      </p:grpSpPr>
+      <p:sp>
+        <p:nvSpPr>
+          <p:cNvPr id="2" name="标题 1"/>
+          <p:cNvSpPr>
+            <a:spLocks noGrp="1"/>
+          </p:cNvSpPr>
+          <p:nvPr>
+            <p:ph type="title"/>
+          </p:nvPr>
+        </p:nvSpPr>
+        <p:spPr/>
+        <p:txBody>
+          <a:bodyPr/>
+          <a:lstStyle/>
+          <a:p>
+            <a:r>
+              <a:rPr kumimoji="1" lang="en-US" altLang="zh-CN" dirty="0" smtClean="0"/>
+              <a:t>beat</a:t>
+            </a:r>
+            <a:endParaRPr kumimoji="1" lang="zh-CN" altLang="en-US" dirty="0"/>
+          </a:p>
+        </p:txBody>
+      </p:sp>
+      <p:sp>
+        <p:nvSpPr>
+          <p:cNvPr id="3" name="内容占位符 2"/>
+          <p:cNvSpPr>
+            <a:spLocks noGrp="1"/>
+          </p:cNvSpPr>
+          <p:nvPr>
+            <p:ph idx="1"/>
+          </p:nvPr>
+        </p:nvSpPr>
+        <p:spPr>
+          <a:xfrm>
+            <a:off x="818712" y="2222287"/>
+            <a:ext cx="10554574" cy="4483313"/>
+          </a:xfrm>
+        </p:spPr>
+        <p:txBody>
+          <a:bodyPr>
+            <a:normAutofit fontScale="92500" lnSpcReduction="10000"/>
+          </a:bodyPr>
+          <a:lstStyle/>
+          <a:p>
+            <a:r>
+              <a:rPr lang="en-US" altLang="zh-CN" dirty="0" err="1"/>
+              <a:t>git</a:t>
+            </a:r>
+            <a:r>
+              <a:rPr lang="en-US" altLang="zh-CN" dirty="0"/>
+              <a:t> clone https://</a:t>
+            </a:r>
+            <a:r>
+              <a:rPr lang="en-US" altLang="zh-CN" dirty="0" err="1"/>
+              <a:t>github.com</a:t>
+            </a:r>
+            <a:r>
+              <a:rPr lang="en-US" altLang="zh-CN" dirty="0"/>
+              <a:t>/</a:t>
+            </a:r>
+            <a:r>
+              <a:rPr lang="en-US" altLang="zh-CN" dirty="0" err="1"/>
+              <a:t>kubernetes</a:t>
+            </a:r>
+            <a:r>
+              <a:rPr lang="en-US" altLang="zh-CN" dirty="0"/>
+              <a:t>/</a:t>
+            </a:r>
+            <a:r>
+              <a:rPr lang="en-US" altLang="zh-CN" dirty="0" err="1"/>
+              <a:t>kube</a:t>
+            </a:r>
+            <a:r>
+              <a:rPr lang="en-US" altLang="zh-CN" dirty="0"/>
+              <a:t>-state-</a:t>
+            </a:r>
+            <a:r>
+              <a:rPr lang="en-US" altLang="zh-CN" dirty="0" err="1"/>
+              <a:t>metrics.git</a:t>
+            </a:r>
+            <a:r>
+              <a:rPr lang="en-US" altLang="zh-CN" dirty="0"/>
+              <a:t> </a:t>
+            </a:r>
+            <a:r>
+              <a:rPr lang="en-US" altLang="zh-CN" dirty="0" err="1"/>
+              <a:t>kube</a:t>
+            </a:r>
+            <a:r>
+              <a:rPr lang="en-US" altLang="zh-CN" dirty="0"/>
+              <a:t>-state-metrics </a:t>
+            </a:r>
+          </a:p>
+          <a:p>
+            <a:r>
+              <a:rPr lang="en-US" altLang="zh-CN" dirty="0" err="1"/>
+              <a:t>kubectl</a:t>
+            </a:r>
+            <a:r>
+              <a:rPr lang="en-US" altLang="zh-CN" dirty="0"/>
+              <a:t> create -f </a:t>
+            </a:r>
+            <a:r>
+              <a:rPr lang="en-US" altLang="zh-CN" dirty="0" err="1"/>
+              <a:t>kube</a:t>
+            </a:r>
+            <a:r>
+              <a:rPr lang="en-US" altLang="zh-CN" dirty="0"/>
+              <a:t>-state-metrics/</a:t>
+            </a:r>
+            <a:r>
+              <a:rPr lang="en-US" altLang="zh-CN" dirty="0" err="1"/>
+              <a:t>kubernetes</a:t>
+            </a:r>
+            <a:r>
+              <a:rPr lang="en-US" altLang="zh-CN" dirty="0"/>
+              <a:t>/ </a:t>
+            </a:r>
+          </a:p>
+          <a:p>
+            <a:r>
+              <a:rPr lang="en-US" altLang="zh-CN" dirty="0" err="1"/>
+              <a:t>kubectl</a:t>
+            </a:r>
+            <a:r>
+              <a:rPr lang="en-US" altLang="zh-CN" dirty="0"/>
+              <a:t> get pods --namespace=</a:t>
+            </a:r>
+            <a:r>
+              <a:rPr lang="en-US" altLang="zh-CN" dirty="0" err="1"/>
+              <a:t>kube</a:t>
+            </a:r>
+            <a:r>
+              <a:rPr lang="en-US" altLang="zh-CN" dirty="0"/>
+              <a:t>-system | grep </a:t>
+            </a:r>
+            <a:r>
+              <a:rPr lang="en-US" altLang="zh-CN" dirty="0" err="1"/>
+              <a:t>kube</a:t>
+            </a:r>
+            <a:r>
+              <a:rPr lang="en-US" altLang="zh-CN" dirty="0"/>
+              <a:t>-state</a:t>
+            </a:r>
+          </a:p>
+          <a:p>
+            <a:endParaRPr kumimoji="1" lang="en-US" altLang="zh-CN" dirty="0" smtClean="0"/>
+          </a:p>
+          <a:p>
+            <a:r>
+              <a:rPr lang="en-US" altLang="zh-CN" dirty="0" err="1"/>
+              <a:t>git</a:t>
+            </a:r>
+            <a:r>
+              <a:rPr lang="en-US" altLang="zh-CN" dirty="0"/>
+              <a:t> clone https://</a:t>
+            </a:r>
+            <a:r>
+              <a:rPr lang="en-US" altLang="zh-CN" dirty="0" err="1"/>
+              <a:t>github.com</a:t>
+            </a:r>
+            <a:r>
+              <a:rPr lang="en-US" altLang="zh-CN" dirty="0"/>
+              <a:t>/elastic/</a:t>
+            </a:r>
+            <a:r>
+              <a:rPr lang="en-US" altLang="zh-CN" dirty="0" err="1"/>
+              <a:t>examples.git</a:t>
+            </a:r>
+            <a:r>
+              <a:rPr lang="en-US" altLang="zh-CN" dirty="0"/>
+              <a:t> </a:t>
+            </a:r>
+          </a:p>
+          <a:p>
+            <a:r>
+              <a:rPr lang="en-US" altLang="zh-CN" dirty="0"/>
+              <a:t>cd examples/beats-k8s-send-anywhere/ </a:t>
+            </a:r>
+          </a:p>
+          <a:p>
+            <a:r>
+              <a:rPr lang="en-US" altLang="zh-CN" dirty="0"/>
+              <a:t>vi ELASTICSEARCH_HOSTS </a:t>
+            </a:r>
+          </a:p>
+          <a:p>
+            <a:pPr lvl="1"/>
+            <a:r>
+              <a:rPr lang="en-US" altLang="zh-CN" dirty="0"/>
+              <a:t>["http://elasticsearch-logging.kube-system:9200"]</a:t>
+            </a:r>
+          </a:p>
+          <a:p>
+            <a:r>
+              <a:rPr lang="en-US" altLang="zh-CN" dirty="0"/>
+              <a:t>vi KIBANA_HOST</a:t>
+            </a:r>
+          </a:p>
+          <a:p>
+            <a:pPr lvl="1"/>
+            <a:r>
+              <a:rPr lang="en-US" altLang="zh-CN" dirty="0"/>
+              <a:t>"kibana-logging.kube-system.svc.cluster.local:5601"</a:t>
+            </a:r>
+          </a:p>
+          <a:p>
+            <a:r>
+              <a:rPr lang="en-US" altLang="zh-CN" dirty="0" err="1"/>
+              <a:t>kubectl</a:t>
+            </a:r>
+            <a:r>
+              <a:rPr lang="en-US" altLang="zh-CN" dirty="0"/>
+              <a:t> create secret generic dynamic-logging --from-file=./ELASTICSEARCH_HOSTS --from-file=./ELASTICSEARCH_PASSWORD --from-file=./ELASTICSEARCH_USERNAME --from-file=./KIBANA_HOST --namespace=</a:t>
+            </a:r>
+            <a:r>
+              <a:rPr lang="en-US" altLang="zh-CN" dirty="0" err="1"/>
+              <a:t>kube</a:t>
+            </a:r>
+            <a:r>
+              <a:rPr lang="en-US" altLang="zh-CN" dirty="0"/>
+              <a:t>-system</a:t>
+            </a:r>
+          </a:p>
+          <a:p>
+            <a:endParaRPr kumimoji="1" lang="zh-CN" altLang="en-US" dirty="0"/>
+          </a:p>
+        </p:txBody>
+      </p:sp>
+    </p:spTree>
+    <p:extLst>
+      <p:ext uri="{BB962C8B-B14F-4D97-AF65-F5344CB8AC3E}">
+        <p14:creationId xmlns:p14="http://schemas.microsoft.com/office/powerpoint/2010/main" val="128901817"/>
+      </p:ext>
+    </p:extLst>
+  </p:cSld>
+  <p:clrMapOvr>
+    <a:masterClrMapping/>
+  </p:clrMapOvr>
+</p:sld>
+</file>
+
+<file path=ppt/slides/slide14.xml><?xml version="1.0" encoding="utf-8"?>
+<p:sld xmlns:a="http://schemas.openxmlformats.org/drawingml/2006/main" xmlns:r="http://schemas.openxmlformats.org/officeDocument/2006/relationships" xmlns:p="http://schemas.openxmlformats.org/presentationml/2006/main">
+  <p:cSld>
+    <p:spTree>
+      <p:nvGrpSpPr>
+        <p:cNvPr id="1" name=""/>
+        <p:cNvGrpSpPr/>
+        <p:nvPr/>
+      </p:nvGrpSpPr>
+      <p:grpSpPr>
+        <a:xfrm>
+          <a:off x="0" y="0"/>
+          <a:ext cx="0" cy="0"/>
+          <a:chOff x="0" y="0"/>
+          <a:chExt cx="0" cy="0"/>
+        </a:xfrm>
+      </p:grpSpPr>
+      <p:sp>
+        <p:nvSpPr>
+          <p:cNvPr id="2" name="标题 1"/>
+          <p:cNvSpPr>
+            <a:spLocks noGrp="1"/>
+          </p:cNvSpPr>
+          <p:nvPr>
+            <p:ph type="title"/>
+          </p:nvPr>
+        </p:nvSpPr>
+        <p:spPr/>
+        <p:txBody>
+          <a:bodyPr/>
+          <a:lstStyle/>
+          <a:p>
+            <a:r>
+              <a:rPr kumimoji="1" lang="en-US" altLang="zh-CN" dirty="0" smtClean="0"/>
+              <a:t>beat</a:t>
+            </a:r>
+            <a:endParaRPr kumimoji="1" lang="zh-CN" altLang="en-US" dirty="0"/>
+          </a:p>
+        </p:txBody>
+      </p:sp>
+      <p:sp>
+        <p:nvSpPr>
+          <p:cNvPr id="3" name="内容占位符 2"/>
+          <p:cNvSpPr>
+            <a:spLocks noGrp="1"/>
+          </p:cNvSpPr>
+          <p:nvPr>
+            <p:ph idx="1"/>
+          </p:nvPr>
+        </p:nvSpPr>
+        <p:spPr>
+          <a:xfrm>
+            <a:off x="818712" y="2222287"/>
+            <a:ext cx="10554574" cy="4483313"/>
+          </a:xfrm>
+        </p:spPr>
+        <p:txBody>
+          <a:bodyPr>
+            <a:normAutofit/>
+          </a:bodyPr>
+          <a:lstStyle/>
+          <a:p>
+            <a:r>
+              <a:rPr lang="en-US" altLang="zh-CN" dirty="0" err="1"/>
+              <a:t>kubectl</a:t>
+            </a:r>
+            <a:r>
+              <a:rPr lang="en-US" altLang="zh-CN" dirty="0"/>
+              <a:t> create -f </a:t>
+            </a:r>
+            <a:r>
+              <a:rPr lang="en-US" altLang="zh-CN" dirty="0" err="1"/>
+              <a:t>filebeat-kubernetes.yaml</a:t>
+            </a:r>
+            <a:endParaRPr lang="en-US" altLang="zh-CN" dirty="0"/>
+          </a:p>
+          <a:p>
+            <a:r>
+              <a:rPr lang="en-US" altLang="zh-CN" dirty="0" err="1"/>
+              <a:t>kubectl</a:t>
+            </a:r>
+            <a:r>
+              <a:rPr lang="en-US" altLang="zh-CN" dirty="0"/>
+              <a:t> get pods -n </a:t>
+            </a:r>
+            <a:r>
+              <a:rPr lang="en-US" altLang="zh-CN" dirty="0" err="1"/>
+              <a:t>kube</a:t>
+            </a:r>
+            <a:r>
+              <a:rPr lang="en-US" altLang="zh-CN" dirty="0"/>
+              <a:t>-system -l </a:t>
+            </a:r>
+            <a:r>
+              <a:rPr lang="en-US" altLang="zh-CN" dirty="0" smtClean="0"/>
+              <a:t>k8s-app=</a:t>
+            </a:r>
+            <a:r>
+              <a:rPr lang="en-US" altLang="zh-CN" dirty="0" err="1" smtClean="0"/>
+              <a:t>filebeat</a:t>
+            </a:r>
+            <a:r>
+              <a:rPr lang="en-US" altLang="zh-CN" dirty="0" smtClean="0"/>
+              <a:t>-dynamic</a:t>
+            </a:r>
+          </a:p>
+          <a:p>
+            <a:r>
+              <a:rPr lang="en-US" altLang="zh-CN" dirty="0" err="1"/>
+              <a:t>kubectl</a:t>
+            </a:r>
+            <a:r>
+              <a:rPr lang="en-US" altLang="zh-CN" dirty="0"/>
+              <a:t> create -f </a:t>
+            </a:r>
+            <a:r>
+              <a:rPr lang="en-US" altLang="zh-CN" dirty="0" err="1"/>
+              <a:t>metricbeat-kubernetes.yaml</a:t>
+            </a:r>
+            <a:endParaRPr lang="en-US" altLang="zh-CN" dirty="0"/>
+          </a:p>
+          <a:p>
+            <a:r>
+              <a:rPr lang="en-US" altLang="zh-CN" dirty="0" err="1"/>
+              <a:t>kubectl</a:t>
+            </a:r>
+            <a:r>
+              <a:rPr lang="en-US" altLang="zh-CN" dirty="0"/>
+              <a:t> get pods -n </a:t>
+            </a:r>
+            <a:r>
+              <a:rPr lang="en-US" altLang="zh-CN" dirty="0" err="1"/>
+              <a:t>kube</a:t>
+            </a:r>
+            <a:r>
+              <a:rPr lang="en-US" altLang="zh-CN" dirty="0"/>
+              <a:t>-system -l k8s-app=</a:t>
+            </a:r>
+            <a:r>
+              <a:rPr lang="en-US" altLang="zh-CN" dirty="0" err="1"/>
+              <a:t>metricbeat</a:t>
+            </a:r>
+            <a:endParaRPr lang="en-US" altLang="zh-CN" dirty="0"/>
+          </a:p>
+          <a:p>
+            <a:r>
+              <a:rPr lang="en-US" altLang="zh-CN" dirty="0" err="1"/>
+              <a:t>kubectl</a:t>
+            </a:r>
+            <a:r>
+              <a:rPr lang="en-US" altLang="zh-CN" dirty="0"/>
+              <a:t> create -f </a:t>
+            </a:r>
+            <a:r>
+              <a:rPr lang="en-US" altLang="zh-CN" dirty="0" err="1"/>
+              <a:t>packetbeat-kubernetes.yaml</a:t>
+            </a:r>
+            <a:endParaRPr lang="en-US" altLang="zh-CN" dirty="0"/>
+          </a:p>
+          <a:p>
+            <a:r>
+              <a:rPr lang="en-US" altLang="zh-CN" dirty="0" err="1"/>
+              <a:t>kubectl</a:t>
+            </a:r>
+            <a:r>
+              <a:rPr lang="en-US" altLang="zh-CN" dirty="0"/>
+              <a:t> get pods -n </a:t>
+            </a:r>
+            <a:r>
+              <a:rPr lang="en-US" altLang="zh-CN" dirty="0" err="1"/>
+              <a:t>kube</a:t>
+            </a:r>
+            <a:r>
+              <a:rPr lang="en-US" altLang="zh-CN" dirty="0"/>
+              <a:t>-system -l k8s-app=</a:t>
+            </a:r>
+            <a:r>
+              <a:rPr lang="en-US" altLang="zh-CN" dirty="0" err="1"/>
+              <a:t>packetbeat</a:t>
+            </a:r>
+            <a:r>
+              <a:rPr lang="en-US" altLang="zh-CN" dirty="0"/>
+              <a:t>-dynamic</a:t>
+            </a:r>
+          </a:p>
+          <a:p>
+            <a:endParaRPr lang="en-US" altLang="zh-CN" dirty="0">
+              <a:effectLst/>
+            </a:endParaRPr>
+          </a:p>
+        </p:txBody>
+      </p:sp>
+    </p:spTree>
+    <p:extLst>
+      <p:ext uri="{BB962C8B-B14F-4D97-AF65-F5344CB8AC3E}">
+        <p14:creationId xmlns:p14="http://schemas.microsoft.com/office/powerpoint/2010/main" val="882780852"/>
+      </p:ext>
+    </p:extLst>
+  </p:cSld>
+  <p:clrMapOvr>
+    <a:masterClrMapping/>
+  </p:clrMapOvr>
+</p:sld>
+</file>
+
+<file path=ppt/slides/slide15.xml><?xml version="1.0" encoding="utf-8"?>
+<p:sld xmlns:a="http://schemas.openxmlformats.org/drawingml/2006/main" xmlns:r="http://schemas.openxmlformats.org/officeDocument/2006/relationships" xmlns:p="http://schemas.openxmlformats.org/presentationml/2006/main">
+  <p:cSld>
+    <p:spTree>
+      <p:nvGrpSpPr>
+        <p:cNvPr id="1" name=""/>
+        <p:cNvGrpSpPr/>
+        <p:nvPr/>
+      </p:nvGrpSpPr>
+      <p:grpSpPr>
+        <a:xfrm>
+          <a:off x="0" y="0"/>
+          <a:ext cx="0" cy="0"/>
+          <a:chOff x="0" y="0"/>
+          <a:chExt cx="0" cy="0"/>
+        </a:xfrm>
+      </p:grpSpPr>
+      <p:sp>
+        <p:nvSpPr>
+          <p:cNvPr id="2" name="标题 1"/>
+          <p:cNvSpPr>
+            <a:spLocks noGrp="1"/>
+          </p:cNvSpPr>
+          <p:nvPr>
+            <p:ph type="title"/>
+          </p:nvPr>
+        </p:nvSpPr>
+        <p:spPr/>
+        <p:txBody>
+          <a:bodyPr/>
+          <a:lstStyle/>
+          <a:p>
+            <a:r>
+              <a:rPr kumimoji="1" lang="en-US" altLang="zh-CN" dirty="0" smtClean="0"/>
+              <a:t>beat</a:t>
+            </a:r>
+            <a:endParaRPr kumimoji="1" lang="zh-CN" altLang="en-US" dirty="0"/>
+          </a:p>
+        </p:txBody>
+      </p:sp>
+      <p:sp>
+        <p:nvSpPr>
+          <p:cNvPr id="3" name="内容占位符 2"/>
+          <p:cNvSpPr>
+            <a:spLocks noGrp="1"/>
+          </p:cNvSpPr>
+          <p:nvPr>
+            <p:ph idx="1"/>
+          </p:nvPr>
+        </p:nvSpPr>
+        <p:spPr/>
+        <p:txBody>
+          <a:bodyPr/>
+          <a:lstStyle/>
+          <a:p>
+            <a:r>
+              <a:rPr lang="en-US" altLang="zh-CN" dirty="0" err="1"/>
+              <a:t>kubectl</a:t>
+            </a:r>
+            <a:r>
+              <a:rPr lang="en-US" altLang="zh-CN" dirty="0"/>
+              <a:t> delete deployment -l app=</a:t>
+            </a:r>
+            <a:r>
+              <a:rPr lang="en-US" altLang="zh-CN" dirty="0" err="1"/>
+              <a:t>redis</a:t>
+            </a:r>
+            <a:r>
+              <a:rPr lang="en-US" altLang="zh-CN" dirty="0"/>
+              <a:t> </a:t>
+            </a:r>
+            <a:endParaRPr lang="en-US" altLang="zh-CN" dirty="0" smtClean="0"/>
+          </a:p>
+          <a:p>
+            <a:r>
+              <a:rPr lang="en-US" altLang="zh-CN" dirty="0" err="1" smtClean="0"/>
+              <a:t>kubectl</a:t>
+            </a:r>
+            <a:r>
+              <a:rPr lang="en-US" altLang="zh-CN" dirty="0" smtClean="0"/>
+              <a:t> </a:t>
+            </a:r>
+            <a:r>
+              <a:rPr lang="en-US" altLang="zh-CN" dirty="0"/>
+              <a:t>delete service -l app=</a:t>
+            </a:r>
+            <a:r>
+              <a:rPr lang="en-US" altLang="zh-CN" dirty="0" err="1"/>
+              <a:t>redis</a:t>
+            </a:r>
+            <a:r>
+              <a:rPr lang="en-US" altLang="zh-CN" dirty="0"/>
+              <a:t> </a:t>
+            </a:r>
+            <a:endParaRPr lang="en-US" altLang="zh-CN" dirty="0" smtClean="0"/>
+          </a:p>
+          <a:p>
+            <a:r>
+              <a:rPr lang="en-US" altLang="zh-CN" dirty="0" err="1" smtClean="0"/>
+              <a:t>kubectl</a:t>
+            </a:r>
+            <a:r>
+              <a:rPr lang="en-US" altLang="zh-CN" dirty="0" smtClean="0"/>
+              <a:t> </a:t>
+            </a:r>
+            <a:r>
+              <a:rPr lang="en-US" altLang="zh-CN" dirty="0"/>
+              <a:t>delete deployment -l </a:t>
+            </a:r>
+            <a:r>
+              <a:rPr lang="en-US" altLang="zh-CN" dirty="0" smtClean="0"/>
+              <a:t>app=guestbook</a:t>
+            </a:r>
+          </a:p>
+          <a:p>
+            <a:r>
+              <a:rPr lang="en-US" altLang="zh-CN" dirty="0" smtClean="0"/>
+              <a:t> </a:t>
+            </a:r>
+            <a:r>
+              <a:rPr lang="en-US" altLang="zh-CN" dirty="0" err="1"/>
+              <a:t>kubectl</a:t>
+            </a:r>
+            <a:r>
+              <a:rPr lang="en-US" altLang="zh-CN" dirty="0"/>
+              <a:t> delete service -l app=guestbook </a:t>
+            </a:r>
+            <a:endParaRPr lang="en-US" altLang="zh-CN" dirty="0" smtClean="0"/>
+          </a:p>
+          <a:p>
+            <a:r>
+              <a:rPr lang="en-US" altLang="zh-CN" dirty="0" err="1" smtClean="0"/>
+              <a:t>kubectl</a:t>
+            </a:r>
+            <a:r>
+              <a:rPr lang="en-US" altLang="zh-CN" dirty="0" smtClean="0"/>
+              <a:t> </a:t>
+            </a:r>
+            <a:r>
+              <a:rPr lang="en-US" altLang="zh-CN" dirty="0"/>
+              <a:t>delete -f </a:t>
+            </a:r>
+            <a:r>
+              <a:rPr lang="en-US" altLang="zh-CN" dirty="0" err="1"/>
+              <a:t>filebeat-kubernetes.yaml</a:t>
+            </a:r>
+            <a:r>
+              <a:rPr lang="en-US" altLang="zh-CN" dirty="0"/>
+              <a:t> </a:t>
+            </a:r>
+            <a:r>
+              <a:rPr lang="en-US" altLang="zh-CN" dirty="0" err="1"/>
+              <a:t>kubectl</a:t>
+            </a:r>
+            <a:r>
+              <a:rPr lang="en-US" altLang="zh-CN" dirty="0"/>
+              <a:t> </a:t>
+            </a:r>
+            <a:endParaRPr lang="en-US" altLang="zh-CN" dirty="0" smtClean="0"/>
+          </a:p>
+          <a:p>
+            <a:r>
+              <a:rPr lang="en-US" altLang="zh-CN" dirty="0" smtClean="0"/>
+              <a:t>delete </a:t>
+            </a:r>
+            <a:r>
+              <a:rPr lang="en-US" altLang="zh-CN" dirty="0"/>
+              <a:t>-f </a:t>
+            </a:r>
+            <a:r>
+              <a:rPr lang="en-US" altLang="zh-CN" dirty="0" err="1"/>
+              <a:t>metricbeat-kubernetes.yaml</a:t>
+            </a:r>
+            <a:r>
+              <a:rPr lang="en-US" altLang="zh-CN" dirty="0"/>
+              <a:t> </a:t>
+            </a:r>
+            <a:endParaRPr lang="en-US" altLang="zh-CN" dirty="0" smtClean="0"/>
+          </a:p>
+          <a:p>
+            <a:r>
+              <a:rPr lang="en-US" altLang="zh-CN" dirty="0" err="1" smtClean="0"/>
+              <a:t>kubectl</a:t>
+            </a:r>
+            <a:r>
+              <a:rPr lang="en-US" altLang="zh-CN" dirty="0" smtClean="0"/>
+              <a:t> </a:t>
+            </a:r>
+            <a:r>
+              <a:rPr lang="en-US" altLang="zh-CN" dirty="0"/>
+              <a:t>delete -f </a:t>
+            </a:r>
+            <a:r>
+              <a:rPr lang="en-US" altLang="zh-CN" dirty="0" err="1"/>
+              <a:t>packetbeat-kubernetes.yaml</a:t>
+            </a:r>
+            <a:r>
+              <a:rPr lang="en-US" altLang="zh-CN" dirty="0"/>
+              <a:t> </a:t>
+            </a:r>
+            <a:endParaRPr lang="en-US" altLang="zh-CN" dirty="0" smtClean="0"/>
+          </a:p>
+          <a:p>
+            <a:r>
+              <a:rPr lang="en-US" altLang="zh-CN" dirty="0" err="1" smtClean="0"/>
+              <a:t>kubectl</a:t>
+            </a:r>
+            <a:r>
+              <a:rPr lang="en-US" altLang="zh-CN" dirty="0" smtClean="0"/>
+              <a:t> </a:t>
+            </a:r>
+            <a:r>
+              <a:rPr lang="en-US" altLang="zh-CN" dirty="0"/>
+              <a:t>delete secret dynamic-logging -n </a:t>
+            </a:r>
+            <a:r>
+              <a:rPr lang="en-US" altLang="zh-CN" dirty="0" err="1"/>
+              <a:t>kube</a:t>
+            </a:r>
+            <a:r>
+              <a:rPr lang="en-US" altLang="zh-CN" dirty="0"/>
+              <a:t>-system</a:t>
+            </a:r>
+          </a:p>
+          <a:p>
+            <a:endParaRPr kumimoji="1" lang="zh-CN" altLang="en-US" dirty="0"/>
+          </a:p>
+        </p:txBody>
+      </p:sp>
+    </p:spTree>
+    <p:extLst>
+      <p:ext uri="{BB962C8B-B14F-4D97-AF65-F5344CB8AC3E}">
+        <p14:creationId xmlns:p14="http://schemas.microsoft.com/office/powerpoint/2010/main" val="1798131530"/>
+      </p:ext>
+    </p:extLst>
+  </p:cSld>
+  <p:clrMapOvr>
+    <a:masterClrMapping/>
+  </p:clrMapOvr>
+</p:sld>
+</file>
+
 <file path=ppt/slides/slide2.xml><?xml version="1.0" encoding="utf-8"?>
 <p:sld xmlns:a="http://schemas.openxmlformats.org/drawingml/2006/main" xmlns:r="http://schemas.openxmlformats.org/officeDocument/2006/relationships" xmlns:p="http://schemas.openxmlformats.org/presentationml/2006/main">
   <p:cSld>
@@ -5843,16 +8318,44 @@
           <a:p>
             <a:r>
               <a:rPr kumimoji="1" lang="en-US" altLang="zh-CN" dirty="0" smtClean="0"/>
-              <a:t>Service</a:t>
-            </a:r>
-          </a:p>
-          <a:p>
+              <a:t>Dashboard</a:t>
+            </a:r>
             <a:endParaRPr kumimoji="1" lang="en-US" altLang="zh-CN" dirty="0" smtClean="0"/>
           </a:p>
           <a:p>
             <a:r>
+              <a:rPr kumimoji="1" lang="en-US" altLang="zh-CN" dirty="0" err="1" smtClean="0"/>
+              <a:t>MetricServer</a:t>
+            </a:r>
+            <a:endParaRPr kumimoji="1" lang="en-US" altLang="zh-CN" dirty="0" smtClean="0"/>
+          </a:p>
+          <a:p>
+            <a:r>
               <a:rPr kumimoji="1" lang="en-US" altLang="zh-CN" dirty="0" smtClean="0"/>
-              <a:t>Ingress</a:t>
+              <a:t>Prometheus</a:t>
+            </a:r>
+            <a:r>
+              <a:rPr kumimoji="1" lang="zh-CN" altLang="en-US" dirty="0" smtClean="0"/>
+              <a:t> </a:t>
+            </a:r>
+            <a:r>
+              <a:rPr kumimoji="1" lang="en-US" altLang="zh-CN" dirty="0" smtClean="0"/>
+              <a:t>&amp;</a:t>
+            </a:r>
+            <a:r>
+              <a:rPr kumimoji="1" lang="zh-CN" altLang="en-US" dirty="0" smtClean="0"/>
+              <a:t> </a:t>
+            </a:r>
+            <a:r>
+              <a:rPr kumimoji="1" lang="en-US" altLang="zh-CN" dirty="0" err="1" smtClean="0"/>
+              <a:t>Grafana</a:t>
+            </a:r>
+            <a:endParaRPr kumimoji="1" lang="en-US" altLang="zh-CN" dirty="0" smtClean="0"/>
+          </a:p>
+          <a:p>
+            <a:r>
+              <a:rPr kumimoji="1" lang="en-US" altLang="zh-CN" dirty="0" smtClean="0"/>
+              <a:t>EFK</a:t>
             </a:r>
             <a:endParaRPr kumimoji="1" lang="zh-CN" altLang="en-US" dirty="0"/>
           </a:p>
@@ -5862,6 +8365,1332 @@
     <p:extLst>
       <p:ext uri="{BB962C8B-B14F-4D97-AF65-F5344CB8AC3E}">
         <p14:creationId xmlns:p14="http://schemas.microsoft.com/office/powerpoint/2010/main" val="656728758"/>
+      </p:ext>
+    </p:extLst>
+  </p:cSld>
+  <p:clrMapOvr>
+    <a:masterClrMapping/>
+  </p:clrMapOvr>
+</p:sld>
+</file>
+
+<file path=ppt/slides/slide3.xml><?xml version="1.0" encoding="utf-8"?>
+<p:sld xmlns:a="http://schemas.openxmlformats.org/drawingml/2006/main" xmlns:r="http://schemas.openxmlformats.org/officeDocument/2006/relationships" xmlns:p="http://schemas.openxmlformats.org/presentationml/2006/main">
+  <p:cSld>
+    <p:spTree>
+      <p:nvGrpSpPr>
+        <p:cNvPr id="1" name=""/>
+        <p:cNvGrpSpPr/>
+        <p:nvPr/>
+      </p:nvGrpSpPr>
+      <p:grpSpPr>
+        <a:xfrm>
+          <a:off x="0" y="0"/>
+          <a:ext cx="0" cy="0"/>
+          <a:chOff x="0" y="0"/>
+          <a:chExt cx="0" cy="0"/>
+        </a:xfrm>
+      </p:grpSpPr>
+      <p:sp>
+        <p:nvSpPr>
+          <p:cNvPr id="2" name="标题 1"/>
+          <p:cNvSpPr>
+            <a:spLocks noGrp="1"/>
+          </p:cNvSpPr>
+          <p:nvPr>
+            <p:ph type="title"/>
+          </p:nvPr>
+        </p:nvSpPr>
+        <p:spPr/>
+        <p:txBody>
+          <a:bodyPr/>
+          <a:lstStyle/>
+          <a:p>
+            <a:r>
+              <a:rPr kumimoji="1" lang="en-US" altLang="zh-CN" dirty="0" smtClean="0"/>
+              <a:t>Dashboard</a:t>
+            </a:r>
+            <a:endParaRPr kumimoji="1" lang="zh-CN" altLang="en-US" dirty="0"/>
+          </a:p>
+        </p:txBody>
+      </p:sp>
+      <p:sp>
+        <p:nvSpPr>
+          <p:cNvPr id="3" name="内容占位符 2"/>
+          <p:cNvSpPr>
+            <a:spLocks noGrp="1"/>
+          </p:cNvSpPr>
+          <p:nvPr>
+            <p:ph idx="1"/>
+          </p:nvPr>
+        </p:nvSpPr>
+        <p:spPr/>
+        <p:txBody>
+          <a:bodyPr/>
+          <a:lstStyle/>
+          <a:p>
+            <a:r>
+              <a:rPr lang="en-US" altLang="zh-CN" dirty="0" err="1"/>
+              <a:t>kubectl</a:t>
+            </a:r>
+            <a:r>
+              <a:rPr lang="en-US" altLang="zh-CN" dirty="0"/>
+              <a:t> create -f </a:t>
+            </a:r>
+            <a:r>
+              <a:rPr lang="en-US" altLang="zh-CN" dirty="0">
+                <a:hlinkClick r:id="rId2"/>
+              </a:rPr>
+              <a:t>https://</a:t>
+            </a:r>
+            <a:r>
+              <a:rPr lang="en-US" altLang="zh-CN" dirty="0" smtClean="0">
+                <a:hlinkClick r:id="rId2"/>
+              </a:rPr>
+              <a:t>raw.githubusercontent.com/kubernetes/dashboard/master/aio/deploy/recommended/kubernetes-dashboard.yaml</a:t>
+            </a:r>
+            <a:endParaRPr lang="en-US" altLang="zh-CN" dirty="0" smtClean="0"/>
+          </a:p>
+          <a:p>
+            <a:r>
+              <a:rPr lang="en-US" altLang="zh-CN" dirty="0" err="1"/>
+              <a:t>kubectl</a:t>
+            </a:r>
+            <a:r>
+              <a:rPr lang="en-US" altLang="zh-CN" dirty="0"/>
+              <a:t> apply -f dashboard-</a:t>
+            </a:r>
+            <a:r>
+              <a:rPr lang="en-US" altLang="zh-CN" dirty="0" err="1"/>
+              <a:t>adminuser.yaml</a:t>
+            </a:r>
+            <a:endParaRPr lang="en-US" altLang="zh-CN" dirty="0"/>
+          </a:p>
+          <a:p>
+            <a:r>
+              <a:rPr lang="en-US" altLang="zh-CN" dirty="0" err="1"/>
+              <a:t>kubectl</a:t>
+            </a:r>
+            <a:r>
+              <a:rPr lang="en-US" altLang="zh-CN" dirty="0"/>
+              <a:t> -n </a:t>
+            </a:r>
+            <a:r>
+              <a:rPr lang="en-US" altLang="zh-CN" dirty="0" err="1"/>
+              <a:t>kube</a:t>
+            </a:r>
+            <a:r>
+              <a:rPr lang="en-US" altLang="zh-CN" dirty="0"/>
+              <a:t>-system describe secret $(</a:t>
+            </a:r>
+            <a:r>
+              <a:rPr lang="en-US" altLang="zh-CN" dirty="0" err="1"/>
+              <a:t>kubectl</a:t>
+            </a:r>
+            <a:r>
+              <a:rPr lang="en-US" altLang="zh-CN" dirty="0"/>
+              <a:t> get secret -n </a:t>
+            </a:r>
+            <a:r>
+              <a:rPr lang="en-US" altLang="zh-CN" dirty="0" err="1"/>
+              <a:t>kube-system|grep</a:t>
+            </a:r>
+            <a:r>
+              <a:rPr lang="en-US" altLang="zh-CN" dirty="0"/>
+              <a:t> </a:t>
+            </a:r>
+            <a:r>
+              <a:rPr lang="en-US" altLang="zh-CN" dirty="0" err="1"/>
+              <a:t>admin-user|awk</a:t>
+            </a:r>
+            <a:r>
+              <a:rPr lang="en-US" altLang="zh-CN" dirty="0"/>
+              <a:t> '{print $1</a:t>
+            </a:r>
+            <a:r>
+              <a:rPr lang="en-US" altLang="zh-CN" dirty="0" smtClean="0"/>
+              <a:t>}')</a:t>
+            </a:r>
+            <a:endParaRPr lang="en-US" altLang="zh-CN" dirty="0"/>
+          </a:p>
+        </p:txBody>
+      </p:sp>
+    </p:spTree>
+    <p:extLst>
+      <p:ext uri="{BB962C8B-B14F-4D97-AF65-F5344CB8AC3E}">
+        <p14:creationId xmlns:p14="http://schemas.microsoft.com/office/powerpoint/2010/main" val="1654035977"/>
+      </p:ext>
+    </p:extLst>
+  </p:cSld>
+  <p:clrMapOvr>
+    <a:masterClrMapping/>
+  </p:clrMapOvr>
+</p:sld>
+</file>
+
+<file path=ppt/slides/slide4.xml><?xml version="1.0" encoding="utf-8"?>
+<p:sld xmlns:a="http://schemas.openxmlformats.org/drawingml/2006/main" xmlns:r="http://schemas.openxmlformats.org/officeDocument/2006/relationships" xmlns:p="http://schemas.openxmlformats.org/presentationml/2006/main">
+  <p:cSld>
+    <p:spTree>
+      <p:nvGrpSpPr>
+        <p:cNvPr id="1" name=""/>
+        <p:cNvGrpSpPr/>
+        <p:nvPr/>
+      </p:nvGrpSpPr>
+      <p:grpSpPr>
+        <a:xfrm>
+          <a:off x="0" y="0"/>
+          <a:ext cx="0" cy="0"/>
+          <a:chOff x="0" y="0"/>
+          <a:chExt cx="0" cy="0"/>
+        </a:xfrm>
+      </p:grpSpPr>
+      <p:sp>
+        <p:nvSpPr>
+          <p:cNvPr id="2" name="标题 1"/>
+          <p:cNvSpPr>
+            <a:spLocks noGrp="1"/>
+          </p:cNvSpPr>
+          <p:nvPr>
+            <p:ph type="title"/>
+          </p:nvPr>
+        </p:nvSpPr>
+        <p:spPr/>
+        <p:txBody>
+          <a:bodyPr/>
+          <a:lstStyle/>
+          <a:p>
+            <a:r>
+              <a:rPr kumimoji="1" lang="en-US" altLang="zh-CN" dirty="0"/>
+              <a:t>Dashboard</a:t>
+            </a:r>
+            <a:endParaRPr kumimoji="1" lang="zh-CN" altLang="en-US" dirty="0"/>
+          </a:p>
+        </p:txBody>
+      </p:sp>
+      <p:sp>
+        <p:nvSpPr>
+          <p:cNvPr id="3" name="内容占位符 2"/>
+          <p:cNvSpPr>
+            <a:spLocks noGrp="1"/>
+          </p:cNvSpPr>
+          <p:nvPr>
+            <p:ph idx="1"/>
+          </p:nvPr>
+        </p:nvSpPr>
+        <p:spPr/>
+        <p:txBody>
+          <a:bodyPr/>
+          <a:lstStyle/>
+          <a:p>
+            <a:r>
+              <a:rPr lang="en-US" altLang="zh-CN" dirty="0" err="1"/>
+              <a:t>kubectl</a:t>
+            </a:r>
+            <a:r>
+              <a:rPr lang="en-US" altLang="zh-CN" dirty="0"/>
+              <a:t> -n </a:t>
+            </a:r>
+            <a:r>
+              <a:rPr lang="en-US" altLang="zh-CN" dirty="0" err="1"/>
+              <a:t>kube</a:t>
+            </a:r>
+            <a:r>
+              <a:rPr lang="en-US" altLang="zh-CN" dirty="0"/>
+              <a:t>-system edit service </a:t>
+            </a:r>
+            <a:r>
+              <a:rPr lang="en-US" altLang="zh-CN" dirty="0" err="1" smtClean="0"/>
+              <a:t>kubernetes</a:t>
+            </a:r>
+            <a:r>
+              <a:rPr lang="en-US" altLang="zh-CN" dirty="0" smtClean="0"/>
+              <a:t>-dashboard</a:t>
+            </a:r>
+          </a:p>
+          <a:p>
+            <a:pPr lvl="1"/>
+            <a:r>
+              <a:rPr lang="en-US" altLang="zh-CN" dirty="0"/>
+              <a:t>t</a:t>
+            </a:r>
+            <a:r>
+              <a:rPr lang="en-US" altLang="zh-CN" dirty="0" smtClean="0"/>
+              <a:t>ype:</a:t>
+            </a:r>
+            <a:r>
+              <a:rPr lang="zh-CN" altLang="en-US" dirty="0" smtClean="0"/>
+              <a:t> </a:t>
+            </a:r>
+            <a:r>
+              <a:rPr lang="en-US" altLang="zh-CN" dirty="0" err="1" smtClean="0"/>
+              <a:t>NodePort</a:t>
+            </a:r>
+            <a:r>
+              <a:rPr lang="en-US" altLang="zh-CN" dirty="0" smtClean="0"/>
+              <a:t>	</a:t>
+            </a:r>
+            <a:endParaRPr lang="en-US" altLang="zh-CN" dirty="0"/>
+          </a:p>
+          <a:p>
+            <a:endParaRPr kumimoji="1" lang="en-US" altLang="zh-CN" dirty="0" smtClean="0"/>
+          </a:p>
+          <a:p>
+            <a:r>
+              <a:rPr lang="en-US" altLang="zh-CN" dirty="0" err="1"/>
+              <a:t>kubectl</a:t>
+            </a:r>
+            <a:r>
+              <a:rPr lang="en-US" altLang="zh-CN" dirty="0"/>
+              <a:t> edit deployment </a:t>
+            </a:r>
+            <a:r>
+              <a:rPr lang="en-US" altLang="zh-CN" dirty="0" err="1"/>
+              <a:t>kubernetes</a:t>
+            </a:r>
+            <a:r>
+              <a:rPr lang="en-US" altLang="zh-CN" dirty="0"/>
+              <a:t>-dashboard -n </a:t>
+            </a:r>
+            <a:r>
+              <a:rPr lang="en-US" altLang="zh-CN" dirty="0" err="1" smtClean="0"/>
+              <a:t>kube</a:t>
+            </a:r>
+            <a:r>
+              <a:rPr lang="en-US" altLang="zh-CN" dirty="0" smtClean="0"/>
+              <a:t>-system</a:t>
+            </a:r>
+          </a:p>
+          <a:p>
+            <a:pPr lvl="1"/>
+            <a:r>
+              <a:rPr lang="en-US" altLang="zh-CN" dirty="0" smtClean="0"/>
+              <a:t>-</a:t>
+            </a:r>
+            <a:r>
+              <a:rPr lang="zh-CN" altLang="en-US" dirty="0" smtClean="0"/>
+              <a:t> </a:t>
+            </a:r>
+            <a:r>
+              <a:rPr lang="en-US" altLang="zh-CN" dirty="0" err="1" smtClean="0"/>
+              <a:t>args</a:t>
+            </a:r>
+            <a:r>
+              <a:rPr lang="en-US" altLang="zh-CN" dirty="0" smtClean="0"/>
+              <a:t>:</a:t>
+            </a:r>
+            <a:r>
+              <a:rPr lang="zh-CN" altLang="en-US" dirty="0" smtClean="0"/>
+              <a:t> </a:t>
+            </a:r>
+            <a:endParaRPr lang="en-US" altLang="zh-CN" dirty="0" smtClean="0"/>
+          </a:p>
+          <a:p>
+            <a:pPr lvl="1"/>
+            <a:r>
+              <a:rPr lang="zh-CN" altLang="en-US" dirty="0" smtClean="0"/>
+              <a:t>   </a:t>
+            </a:r>
+            <a:r>
+              <a:rPr lang="en-US" altLang="zh-CN" dirty="0" smtClean="0"/>
+              <a:t>- </a:t>
+            </a:r>
+            <a:r>
+              <a:rPr lang="en-US" altLang="zh-CN" dirty="0"/>
+              <a:t>--auto-generate-certificates</a:t>
+            </a:r>
+          </a:p>
+          <a:p>
+            <a:pPr lvl="1"/>
+            <a:r>
+              <a:rPr lang="zh-CN" altLang="en-US" dirty="0" smtClean="0"/>
+              <a:t>   </a:t>
+            </a:r>
+            <a:r>
+              <a:rPr lang="mr-IN" altLang="zh-CN" dirty="0" smtClean="0"/>
+              <a:t>- </a:t>
+            </a:r>
+            <a:r>
+              <a:rPr lang="mr-IN" altLang="zh-CN" dirty="0"/>
+              <a:t>--</a:t>
+            </a:r>
+            <a:r>
+              <a:rPr lang="mr-IN" altLang="zh-CN" dirty="0" err="1"/>
+              <a:t>token-ttl</a:t>
+            </a:r>
+            <a:r>
+              <a:rPr lang="mr-IN" altLang="zh-CN" dirty="0"/>
+              <a:t>=8640000</a:t>
+            </a:r>
+          </a:p>
+          <a:p>
+            <a:pPr lvl="1"/>
+            <a:endParaRPr lang="en-US" altLang="zh-CN" dirty="0"/>
+          </a:p>
+          <a:p>
+            <a:r>
+              <a:rPr kumimoji="1" lang="zh-CN" altLang="en-US" dirty="0" smtClean="0"/>
+              <a:t>使用</a:t>
+            </a:r>
+            <a:r>
+              <a:rPr kumimoji="1" lang="en-US" altLang="zh-CN" dirty="0" smtClean="0"/>
+              <a:t>token</a:t>
+            </a:r>
+            <a:r>
+              <a:rPr kumimoji="1" lang="zh-CN" altLang="en-US" dirty="0" smtClean="0"/>
+              <a:t>访问</a:t>
+            </a:r>
+            <a:r>
+              <a:rPr kumimoji="1" lang="en-US" altLang="zh-CN" dirty="0" smtClean="0"/>
+              <a:t>dashboard</a:t>
+            </a:r>
+            <a:r>
+              <a:rPr kumimoji="1" lang="zh-CN" altLang="en-US" dirty="0" smtClean="0"/>
+              <a:t> </a:t>
+            </a:r>
+            <a:r>
+              <a:rPr kumimoji="1" lang="en-US" altLang="zh-CN" dirty="0" smtClean="0"/>
+              <a:t>service</a:t>
+            </a:r>
+            <a:endParaRPr kumimoji="1" lang="zh-CN" altLang="en-US" dirty="0"/>
+          </a:p>
+        </p:txBody>
+      </p:sp>
+    </p:spTree>
+    <p:extLst>
+      <p:ext uri="{BB962C8B-B14F-4D97-AF65-F5344CB8AC3E}">
+        <p14:creationId xmlns:p14="http://schemas.microsoft.com/office/powerpoint/2010/main" val="1700571853"/>
+      </p:ext>
+    </p:extLst>
+  </p:cSld>
+  <p:clrMapOvr>
+    <a:masterClrMapping/>
+  </p:clrMapOvr>
+</p:sld>
+</file>
+
+<file path=ppt/slides/slide5.xml><?xml version="1.0" encoding="utf-8"?>
+<p:sld xmlns:a="http://schemas.openxmlformats.org/drawingml/2006/main" xmlns:r="http://schemas.openxmlformats.org/officeDocument/2006/relationships" xmlns:p="http://schemas.openxmlformats.org/presentationml/2006/main">
+  <p:cSld>
+    <p:spTree>
+      <p:nvGrpSpPr>
+        <p:cNvPr id="1" name=""/>
+        <p:cNvGrpSpPr/>
+        <p:nvPr/>
+      </p:nvGrpSpPr>
+      <p:grpSpPr>
+        <a:xfrm>
+          <a:off x="0" y="0"/>
+          <a:ext cx="0" cy="0"/>
+          <a:chOff x="0" y="0"/>
+          <a:chExt cx="0" cy="0"/>
+        </a:xfrm>
+      </p:grpSpPr>
+      <p:sp>
+        <p:nvSpPr>
+          <p:cNvPr id="2" name="标题 1"/>
+          <p:cNvSpPr>
+            <a:spLocks noGrp="1"/>
+          </p:cNvSpPr>
+          <p:nvPr>
+            <p:ph type="title"/>
+          </p:nvPr>
+        </p:nvSpPr>
+        <p:spPr/>
+        <p:txBody>
+          <a:bodyPr/>
+          <a:lstStyle/>
+          <a:p>
+            <a:r>
+              <a:rPr kumimoji="1" lang="en-US" altLang="zh-CN" dirty="0" smtClean="0"/>
+              <a:t>Metric</a:t>
+            </a:r>
+            <a:r>
+              <a:rPr kumimoji="1" lang="zh-CN" altLang="en-US" dirty="0" smtClean="0"/>
+              <a:t> </a:t>
+            </a:r>
+            <a:r>
+              <a:rPr kumimoji="1" lang="en-US" altLang="zh-CN" dirty="0" smtClean="0"/>
+              <a:t>server</a:t>
+            </a:r>
+            <a:endParaRPr kumimoji="1" lang="zh-CN" altLang="en-US" dirty="0"/>
+          </a:p>
+        </p:txBody>
+      </p:sp>
+      <p:sp>
+        <p:nvSpPr>
+          <p:cNvPr id="3" name="内容占位符 2"/>
+          <p:cNvSpPr>
+            <a:spLocks noGrp="1"/>
+          </p:cNvSpPr>
+          <p:nvPr>
+            <p:ph idx="1"/>
+          </p:nvPr>
+        </p:nvSpPr>
+        <p:spPr/>
+        <p:txBody>
+          <a:bodyPr/>
+          <a:lstStyle/>
+          <a:p>
+            <a:r>
+              <a:rPr lang="en-US" altLang="zh-CN" dirty="0" err="1"/>
+              <a:t>git</a:t>
+            </a:r>
+            <a:r>
+              <a:rPr lang="en-US" altLang="zh-CN" dirty="0"/>
+              <a:t> clone </a:t>
+            </a:r>
+            <a:r>
+              <a:rPr lang="en-US" altLang="zh-CN" dirty="0">
+                <a:hlinkClick r:id="rId2"/>
+              </a:rPr>
+              <a:t>https://github.com/kubernetes-incubator/metrics-server</a:t>
+            </a:r>
+            <a:endParaRPr lang="en-US" altLang="zh-CN" dirty="0"/>
+          </a:p>
+          <a:p>
+            <a:r>
+              <a:rPr lang="en-US" altLang="zh-CN" dirty="0"/>
+              <a:t>cd metrics-server</a:t>
+            </a:r>
+          </a:p>
+          <a:p>
+            <a:r>
+              <a:rPr lang="en-US" altLang="zh-CN" dirty="0" err="1"/>
+              <a:t>kubectl</a:t>
+            </a:r>
+            <a:r>
+              <a:rPr lang="en-US" altLang="zh-CN" dirty="0"/>
+              <a:t> create -f deploy/1.8+/</a:t>
+            </a:r>
+          </a:p>
+          <a:p>
+            <a:r>
+              <a:rPr lang="en-US" altLang="zh-CN" dirty="0" err="1"/>
+              <a:t>kubectl</a:t>
+            </a:r>
+            <a:r>
+              <a:rPr lang="en-US" altLang="zh-CN" dirty="0"/>
+              <a:t> get pod -n </a:t>
+            </a:r>
+            <a:r>
+              <a:rPr lang="en-US" altLang="zh-CN" dirty="0" err="1"/>
+              <a:t>kube</a:t>
+            </a:r>
+            <a:r>
+              <a:rPr lang="en-US" altLang="zh-CN" dirty="0"/>
+              <a:t>-system</a:t>
+            </a:r>
+          </a:p>
+          <a:p>
+            <a:r>
+              <a:rPr lang="en-US" altLang="zh-CN" dirty="0" err="1"/>
+              <a:t>kubectl</a:t>
+            </a:r>
+            <a:r>
+              <a:rPr lang="en-US" altLang="zh-CN" dirty="0"/>
+              <a:t> describe pod metrics-server-7cffff65bc-nwqsb -n </a:t>
+            </a:r>
+            <a:r>
+              <a:rPr lang="en-US" altLang="zh-CN" dirty="0" err="1" smtClean="0"/>
+              <a:t>kube</a:t>
+            </a:r>
+            <a:r>
+              <a:rPr lang="en-US" altLang="zh-CN" dirty="0" smtClean="0"/>
+              <a:t>-system</a:t>
+            </a:r>
+            <a:endParaRPr lang="en-US" altLang="zh-CN" dirty="0"/>
+          </a:p>
+        </p:txBody>
+      </p:sp>
+    </p:spTree>
+    <p:extLst>
+      <p:ext uri="{BB962C8B-B14F-4D97-AF65-F5344CB8AC3E}">
+        <p14:creationId xmlns:p14="http://schemas.microsoft.com/office/powerpoint/2010/main" val="427950075"/>
+      </p:ext>
+    </p:extLst>
+  </p:cSld>
+  <p:clrMapOvr>
+    <a:masterClrMapping/>
+  </p:clrMapOvr>
+</p:sld>
+</file>
+
+<file path=ppt/slides/slide6.xml><?xml version="1.0" encoding="utf-8"?>
+<p:sld xmlns:a="http://schemas.openxmlformats.org/drawingml/2006/main" xmlns:r="http://schemas.openxmlformats.org/officeDocument/2006/relationships" xmlns:p="http://schemas.openxmlformats.org/presentationml/2006/main">
+  <p:cSld>
+    <p:spTree>
+      <p:nvGrpSpPr>
+        <p:cNvPr id="1" name=""/>
+        <p:cNvGrpSpPr/>
+        <p:nvPr/>
+      </p:nvGrpSpPr>
+      <p:grpSpPr>
+        <a:xfrm>
+          <a:off x="0" y="0"/>
+          <a:ext cx="0" cy="0"/>
+          <a:chOff x="0" y="0"/>
+          <a:chExt cx="0" cy="0"/>
+        </a:xfrm>
+      </p:grpSpPr>
+      <p:sp>
+        <p:nvSpPr>
+          <p:cNvPr id="2" name="标题 1"/>
+          <p:cNvSpPr>
+            <a:spLocks noGrp="1"/>
+          </p:cNvSpPr>
+          <p:nvPr>
+            <p:ph type="title"/>
+          </p:nvPr>
+        </p:nvSpPr>
+        <p:spPr/>
+        <p:txBody>
+          <a:bodyPr/>
+          <a:lstStyle/>
+          <a:p>
+            <a:r>
+              <a:rPr kumimoji="1" lang="en-US" altLang="zh-CN" dirty="0" smtClean="0"/>
+              <a:t>Metric</a:t>
+            </a:r>
+            <a:r>
+              <a:rPr kumimoji="1" lang="zh-CN" altLang="en-US" dirty="0" smtClean="0"/>
+              <a:t> </a:t>
+            </a:r>
+            <a:r>
+              <a:rPr kumimoji="1" lang="en-US" altLang="zh-CN" dirty="0" smtClean="0"/>
+              <a:t>server</a:t>
+            </a:r>
+            <a:endParaRPr kumimoji="1" lang="zh-CN" altLang="en-US" dirty="0"/>
+          </a:p>
+        </p:txBody>
+      </p:sp>
+      <p:sp>
+        <p:nvSpPr>
+          <p:cNvPr id="3" name="内容占位符 2"/>
+          <p:cNvSpPr>
+            <a:spLocks noGrp="1"/>
+          </p:cNvSpPr>
+          <p:nvPr>
+            <p:ph idx="1"/>
+          </p:nvPr>
+        </p:nvSpPr>
+        <p:spPr/>
+        <p:txBody>
+          <a:bodyPr/>
+          <a:lstStyle/>
+          <a:p>
+            <a:r>
+              <a:rPr lang="en-US" altLang="zh-CN" dirty="0" err="1"/>
+              <a:t>kubectl</a:t>
+            </a:r>
+            <a:r>
+              <a:rPr lang="en-US" altLang="zh-CN" dirty="0"/>
+              <a:t> edit -n </a:t>
+            </a:r>
+            <a:r>
+              <a:rPr lang="en-US" altLang="zh-CN" dirty="0" err="1"/>
+              <a:t>kube</a:t>
+            </a:r>
+            <a:r>
+              <a:rPr lang="en-US" altLang="zh-CN" dirty="0"/>
+              <a:t>-system deployments </a:t>
+            </a:r>
+            <a:r>
+              <a:rPr lang="en-US" altLang="zh-CN" dirty="0" smtClean="0"/>
+              <a:t>metrics-server</a:t>
+            </a:r>
+          </a:p>
+          <a:p>
+            <a:pPr lvl="1"/>
+            <a:r>
+              <a:rPr lang="en-US" altLang="zh-CN" dirty="0" smtClean="0"/>
+              <a:t>k8s.gcr.io/metrics-server-amd64:v0.3.3 </a:t>
+            </a:r>
+            <a:r>
+              <a:rPr lang="en-US" altLang="zh-CN" dirty="0"/>
+              <a:t>-&gt; </a:t>
+            </a:r>
+            <a:r>
+              <a:rPr lang="en-US" altLang="zh-CN" dirty="0" err="1"/>
+              <a:t>mirrorgooglecontainers</a:t>
+            </a:r>
+            <a:r>
+              <a:rPr lang="en-US" altLang="zh-CN" dirty="0"/>
+              <a:t>/metrics-server-amd64:v0.3.3</a:t>
+            </a:r>
+          </a:p>
+          <a:p>
+            <a:pPr lvl="1"/>
+            <a:r>
+              <a:rPr lang="en-US" altLang="zh-CN" dirty="0" smtClean="0"/>
+              <a:t>- </a:t>
+            </a:r>
+            <a:r>
+              <a:rPr lang="en-US" altLang="zh-CN" dirty="0"/>
+              <a:t>command:</a:t>
+            </a:r>
+          </a:p>
+          <a:p>
+            <a:pPr lvl="1"/>
+            <a:r>
+              <a:rPr lang="zh-CN" altLang="en-US" dirty="0" smtClean="0"/>
+              <a:t>   </a:t>
+            </a:r>
+            <a:r>
+              <a:rPr lang="en-US" altLang="zh-CN" dirty="0" smtClean="0"/>
+              <a:t>- </a:t>
+            </a:r>
+            <a:r>
+              <a:rPr lang="en-US" altLang="zh-CN" dirty="0"/>
+              <a:t>/metrics-server</a:t>
+            </a:r>
+          </a:p>
+          <a:p>
+            <a:pPr lvl="1"/>
+            <a:r>
+              <a:rPr lang="zh-CN" altLang="en-US" dirty="0" smtClean="0"/>
+              <a:t>   </a:t>
+            </a:r>
+            <a:r>
+              <a:rPr lang="en-US" altLang="zh-CN" dirty="0" smtClean="0"/>
+              <a:t>- </a:t>
+            </a:r>
+            <a:r>
+              <a:rPr lang="en-US" altLang="zh-CN" dirty="0"/>
+              <a:t>--</a:t>
+            </a:r>
+            <a:r>
+              <a:rPr lang="en-US" altLang="zh-CN" dirty="0" err="1"/>
+              <a:t>kubelet</a:t>
+            </a:r>
+            <a:r>
+              <a:rPr lang="en-US" altLang="zh-CN" dirty="0"/>
+              <a:t>-insecure-</a:t>
+            </a:r>
+            <a:r>
+              <a:rPr lang="en-US" altLang="zh-CN" dirty="0" err="1"/>
+              <a:t>tls</a:t>
+            </a:r>
+            <a:r>
+              <a:rPr lang="en-US" altLang="zh-CN" dirty="0"/>
+              <a:t> </a:t>
+            </a:r>
+            <a:endParaRPr lang="en-US" altLang="zh-CN" dirty="0" smtClean="0"/>
+          </a:p>
+          <a:p>
+            <a:pPr lvl="1"/>
+            <a:endParaRPr lang="en-US" altLang="zh-CN" dirty="0"/>
+          </a:p>
+          <a:p>
+            <a:r>
+              <a:rPr lang="en-US" altLang="zh-CN" dirty="0" err="1"/>
+              <a:t>kubectl</a:t>
+            </a:r>
+            <a:r>
+              <a:rPr lang="en-US" altLang="zh-CN" dirty="0"/>
+              <a:t> top node</a:t>
+            </a:r>
+          </a:p>
+          <a:p>
+            <a:r>
+              <a:rPr lang="en-US" altLang="zh-CN" dirty="0" err="1"/>
+              <a:t>kubectl</a:t>
+            </a:r>
+            <a:r>
+              <a:rPr lang="en-US" altLang="zh-CN" dirty="0"/>
+              <a:t> top </a:t>
+            </a:r>
+            <a:r>
+              <a:rPr lang="en-US" altLang="zh-CN" dirty="0" smtClean="0"/>
+              <a:t>pod</a:t>
+            </a:r>
+            <a:endParaRPr lang="en-US" altLang="zh-CN" dirty="0"/>
+          </a:p>
+          <a:p>
+            <a:endParaRPr lang="en-US" altLang="zh-CN" dirty="0">
+              <a:effectLst/>
+            </a:endParaRPr>
+          </a:p>
+        </p:txBody>
+      </p:sp>
+    </p:spTree>
+    <p:extLst>
+      <p:ext uri="{BB962C8B-B14F-4D97-AF65-F5344CB8AC3E}">
+        <p14:creationId xmlns:p14="http://schemas.microsoft.com/office/powerpoint/2010/main" val="127387812"/>
+      </p:ext>
+    </p:extLst>
+  </p:cSld>
+  <p:clrMapOvr>
+    <a:masterClrMapping/>
+  </p:clrMapOvr>
+</p:sld>
+</file>
+
+<file path=ppt/slides/slide7.xml><?xml version="1.0" encoding="utf-8"?>
+<p:sld xmlns:a="http://schemas.openxmlformats.org/drawingml/2006/main" xmlns:r="http://schemas.openxmlformats.org/officeDocument/2006/relationships" xmlns:p="http://schemas.openxmlformats.org/presentationml/2006/main">
+  <p:cSld>
+    <p:spTree>
+      <p:nvGrpSpPr>
+        <p:cNvPr id="1" name=""/>
+        <p:cNvGrpSpPr/>
+        <p:nvPr/>
+      </p:nvGrpSpPr>
+      <p:grpSpPr>
+        <a:xfrm>
+          <a:off x="0" y="0"/>
+          <a:ext cx="0" cy="0"/>
+          <a:chOff x="0" y="0"/>
+          <a:chExt cx="0" cy="0"/>
+        </a:xfrm>
+      </p:grpSpPr>
+      <p:sp>
+        <p:nvSpPr>
+          <p:cNvPr id="2" name="标题 1"/>
+          <p:cNvSpPr>
+            <a:spLocks noGrp="1"/>
+          </p:cNvSpPr>
+          <p:nvPr>
+            <p:ph type="title"/>
+          </p:nvPr>
+        </p:nvSpPr>
+        <p:spPr/>
+        <p:txBody>
+          <a:bodyPr/>
+          <a:lstStyle/>
+          <a:p>
+            <a:r>
+              <a:rPr kumimoji="1" lang="en-US" altLang="zh-CN" dirty="0" err="1" smtClean="0"/>
+              <a:t>Kube-prometheus</a:t>
+            </a:r>
+            <a:endParaRPr kumimoji="1" lang="zh-CN" altLang="en-US" dirty="0"/>
+          </a:p>
+        </p:txBody>
+      </p:sp>
+      <p:sp>
+        <p:nvSpPr>
+          <p:cNvPr id="3" name="内容占位符 2"/>
+          <p:cNvSpPr>
+            <a:spLocks noGrp="1"/>
+          </p:cNvSpPr>
+          <p:nvPr>
+            <p:ph idx="1"/>
+          </p:nvPr>
+        </p:nvSpPr>
+        <p:spPr>
+          <a:xfrm>
+            <a:off x="818712" y="2222287"/>
+            <a:ext cx="10554574" cy="4006235"/>
+          </a:xfrm>
+        </p:spPr>
+        <p:txBody>
+          <a:bodyPr/>
+          <a:lstStyle/>
+          <a:p>
+            <a:r>
+              <a:rPr lang="en-US" altLang="zh-CN" dirty="0" err="1"/>
+              <a:t>git</a:t>
+            </a:r>
+            <a:r>
+              <a:rPr lang="en-US" altLang="zh-CN" dirty="0"/>
+              <a:t> clone </a:t>
+            </a:r>
+            <a:r>
+              <a:rPr lang="en-US" altLang="zh-CN" u="sng" dirty="0">
+                <a:hlinkClick r:id="rId2"/>
+              </a:rPr>
+              <a:t>https://github.com/coreos/kube-prometheus.git</a:t>
+            </a:r>
+            <a:endParaRPr lang="en-US" altLang="zh-CN" dirty="0"/>
+          </a:p>
+          <a:p>
+            <a:r>
+              <a:rPr lang="en-US" altLang="zh-CN" dirty="0"/>
+              <a:t>cd </a:t>
+            </a:r>
+            <a:r>
+              <a:rPr lang="en-US" altLang="zh-CN" dirty="0" err="1"/>
+              <a:t>kube-prometheus</a:t>
+            </a:r>
+            <a:r>
+              <a:rPr lang="en-US" altLang="zh-CN" dirty="0"/>
+              <a:t>/</a:t>
+            </a:r>
+          </a:p>
+          <a:p>
+            <a:r>
+              <a:rPr lang="en-US" altLang="zh-CN" dirty="0" err="1"/>
+              <a:t>kubectl</a:t>
+            </a:r>
+            <a:r>
+              <a:rPr lang="en-US" altLang="zh-CN" dirty="0"/>
+              <a:t> create -f manifests/</a:t>
+            </a:r>
+          </a:p>
+          <a:p>
+            <a:r>
+              <a:rPr lang="en-US" altLang="zh-CN" dirty="0"/>
+              <a:t>until </a:t>
+            </a:r>
+            <a:r>
+              <a:rPr lang="en-US" altLang="zh-CN" dirty="0" err="1"/>
+              <a:t>kubectl</a:t>
+            </a:r>
+            <a:r>
+              <a:rPr lang="en-US" altLang="zh-CN" dirty="0"/>
+              <a:t> get </a:t>
+            </a:r>
+            <a:r>
+              <a:rPr lang="en-US" altLang="zh-CN" dirty="0" err="1"/>
+              <a:t>customresourcedefinitions</a:t>
+            </a:r>
+            <a:r>
+              <a:rPr lang="en-US" altLang="zh-CN" dirty="0"/>
+              <a:t> </a:t>
+            </a:r>
+            <a:r>
+              <a:rPr lang="en-US" altLang="zh-CN" dirty="0" err="1"/>
+              <a:t>servicemonitors.monitoring.coreos.com</a:t>
+            </a:r>
+            <a:r>
+              <a:rPr lang="en-US" altLang="zh-CN" dirty="0"/>
+              <a:t> ; do date; sleep 1; echo ""; done</a:t>
+            </a:r>
+          </a:p>
+          <a:p>
+            <a:r>
+              <a:rPr lang="en-US" altLang="zh-CN" dirty="0"/>
+              <a:t>until </a:t>
+            </a:r>
+            <a:r>
+              <a:rPr lang="en-US" altLang="zh-CN" dirty="0" err="1"/>
+              <a:t>kubectl</a:t>
+            </a:r>
+            <a:r>
+              <a:rPr lang="en-US" altLang="zh-CN" dirty="0"/>
+              <a:t> get </a:t>
+            </a:r>
+            <a:r>
+              <a:rPr lang="en-US" altLang="zh-CN" dirty="0" err="1"/>
+              <a:t>servicemonitors</a:t>
+            </a:r>
+            <a:r>
+              <a:rPr lang="en-US" altLang="zh-CN" dirty="0"/>
+              <a:t> --all-namespaces ; do date; sleep 1; echo ""; done</a:t>
+            </a:r>
+          </a:p>
+          <a:p>
+            <a:r>
+              <a:rPr lang="en-US" altLang="zh-CN" dirty="0" err="1"/>
+              <a:t>kubectl</a:t>
+            </a:r>
+            <a:r>
+              <a:rPr lang="en-US" altLang="zh-CN" dirty="0"/>
+              <a:t> get </a:t>
+            </a:r>
+            <a:r>
+              <a:rPr lang="en-US" altLang="zh-CN" dirty="0" err="1"/>
+              <a:t>servicemonitor</a:t>
+            </a:r>
+            <a:r>
+              <a:rPr lang="en-US" altLang="zh-CN" dirty="0"/>
+              <a:t> -n monitoring</a:t>
+            </a:r>
+          </a:p>
+          <a:p>
+            <a:r>
+              <a:rPr lang="en-US" altLang="zh-CN" dirty="0" err="1"/>
+              <a:t>kubectl</a:t>
+            </a:r>
+            <a:r>
+              <a:rPr lang="en-US" altLang="zh-CN" dirty="0"/>
+              <a:t> get pod -n monitoring</a:t>
+            </a:r>
+          </a:p>
+          <a:p>
+            <a:r>
+              <a:rPr lang="en-US" altLang="zh-CN" dirty="0" err="1"/>
+              <a:t>kubectl</a:t>
+            </a:r>
+            <a:r>
+              <a:rPr lang="en-US" altLang="zh-CN" dirty="0"/>
+              <a:t> get svc -n monitoring</a:t>
+            </a:r>
+          </a:p>
+          <a:p>
+            <a:endParaRPr kumimoji="1" lang="zh-CN" altLang="en-US" dirty="0"/>
+          </a:p>
+        </p:txBody>
+      </p:sp>
+    </p:spTree>
+    <p:extLst>
+      <p:ext uri="{BB962C8B-B14F-4D97-AF65-F5344CB8AC3E}">
+        <p14:creationId xmlns:p14="http://schemas.microsoft.com/office/powerpoint/2010/main" val="248153483"/>
+      </p:ext>
+    </p:extLst>
+  </p:cSld>
+  <p:clrMapOvr>
+    <a:masterClrMapping/>
+  </p:clrMapOvr>
+</p:sld>
+</file>
+
+<file path=ppt/slides/slide8.xml><?xml version="1.0" encoding="utf-8"?>
+<p:sld xmlns:a="http://schemas.openxmlformats.org/drawingml/2006/main" xmlns:r="http://schemas.openxmlformats.org/officeDocument/2006/relationships" xmlns:p="http://schemas.openxmlformats.org/presentationml/2006/main">
+  <p:cSld>
+    <p:spTree>
+      <p:nvGrpSpPr>
+        <p:cNvPr id="1" name=""/>
+        <p:cNvGrpSpPr/>
+        <p:nvPr/>
+      </p:nvGrpSpPr>
+      <p:grpSpPr>
+        <a:xfrm>
+          <a:off x="0" y="0"/>
+          <a:ext cx="0" cy="0"/>
+          <a:chOff x="0" y="0"/>
+          <a:chExt cx="0" cy="0"/>
+        </a:xfrm>
+      </p:grpSpPr>
+      <p:sp>
+        <p:nvSpPr>
+          <p:cNvPr id="2" name="标题 1"/>
+          <p:cNvSpPr>
+            <a:spLocks noGrp="1"/>
+          </p:cNvSpPr>
+          <p:nvPr>
+            <p:ph type="title"/>
+          </p:nvPr>
+        </p:nvSpPr>
+        <p:spPr/>
+        <p:txBody>
+          <a:bodyPr/>
+          <a:lstStyle/>
+          <a:p>
+            <a:r>
+              <a:rPr kumimoji="1" lang="en-US" altLang="zh-CN" dirty="0" err="1" smtClean="0"/>
+              <a:t>Kube-prometheus</a:t>
+            </a:r>
+            <a:endParaRPr kumimoji="1" lang="zh-CN" altLang="en-US" dirty="0"/>
+          </a:p>
+        </p:txBody>
+      </p:sp>
+      <p:sp>
+        <p:nvSpPr>
+          <p:cNvPr id="3" name="内容占位符 2"/>
+          <p:cNvSpPr>
+            <a:spLocks noGrp="1"/>
+          </p:cNvSpPr>
+          <p:nvPr>
+            <p:ph idx="1"/>
+          </p:nvPr>
+        </p:nvSpPr>
+        <p:spPr>
+          <a:xfrm>
+            <a:off x="818712" y="2222287"/>
+            <a:ext cx="10554574" cy="4006235"/>
+          </a:xfrm>
+        </p:spPr>
+        <p:txBody>
+          <a:bodyPr/>
+          <a:lstStyle/>
+          <a:p>
+            <a:r>
+              <a:rPr lang="en-US" altLang="zh-CN" dirty="0" err="1"/>
+              <a:t>kubectl</a:t>
+            </a:r>
+            <a:r>
+              <a:rPr lang="en-US" altLang="zh-CN" dirty="0"/>
+              <a:t> patch svc </a:t>
+            </a:r>
+            <a:r>
+              <a:rPr lang="en-US" altLang="zh-CN" dirty="0" err="1"/>
+              <a:t>grafana</a:t>
+            </a:r>
+            <a:r>
+              <a:rPr lang="en-US" altLang="zh-CN" dirty="0"/>
+              <a:t> -p '{"spec":{"type":"</a:t>
+            </a:r>
+            <a:r>
+              <a:rPr lang="en-US" altLang="zh-CN" dirty="0" err="1"/>
+              <a:t>NodePort</a:t>
+            </a:r>
+            <a:r>
+              <a:rPr lang="en-US" altLang="zh-CN" dirty="0"/>
+              <a:t>"}}' -n monitoring</a:t>
+            </a:r>
+          </a:p>
+          <a:p>
+            <a:r>
+              <a:rPr lang="en-US" altLang="zh-CN" u="sng" dirty="0">
+                <a:hlinkClick r:id="rId2"/>
+              </a:rPr>
+              <a:t>http://10.233.172.7:31391</a:t>
+            </a:r>
+            <a:endParaRPr lang="en-US" altLang="zh-CN" dirty="0"/>
+          </a:p>
+          <a:p>
+            <a:r>
+              <a:rPr lang="en-US" altLang="zh-CN" dirty="0"/>
+              <a:t>admin admin</a:t>
+            </a:r>
+            <a:endParaRPr lang="en-US" altLang="zh-CN" dirty="0"/>
+          </a:p>
+          <a:p>
+            <a:r>
+              <a:rPr lang="en-US" altLang="zh-CN" dirty="0" err="1"/>
+              <a:t>kubectl</a:t>
+            </a:r>
+            <a:r>
+              <a:rPr lang="en-US" altLang="zh-CN" dirty="0"/>
+              <a:t> patch svc prometheus-k8s -p '{"spec":{"type":"</a:t>
+            </a:r>
+            <a:r>
+              <a:rPr lang="en-US" altLang="zh-CN" dirty="0" err="1"/>
+              <a:t>NodePort</a:t>
+            </a:r>
+            <a:r>
+              <a:rPr lang="en-US" altLang="zh-CN" dirty="0"/>
+              <a:t>"}}' -n monitoring</a:t>
+            </a:r>
+          </a:p>
+          <a:p>
+            <a:r>
+              <a:rPr lang="en-US" altLang="zh-CN" u="sng" dirty="0">
+                <a:hlinkClick r:id="rId3"/>
+              </a:rPr>
+              <a:t>http://10.233.172.7:31684/targets</a:t>
+            </a:r>
+            <a:endParaRPr lang="en-US" altLang="zh-CN" dirty="0"/>
+          </a:p>
+          <a:p>
+            <a:r>
+              <a:rPr lang="en-US" altLang="zh-CN" dirty="0" err="1"/>
+              <a:t>kubectl</a:t>
+            </a:r>
+            <a:r>
+              <a:rPr lang="en-US" altLang="zh-CN" dirty="0"/>
+              <a:t> patch svc </a:t>
+            </a:r>
+            <a:r>
+              <a:rPr lang="en-US" altLang="zh-CN" dirty="0" err="1"/>
+              <a:t>alertmanager</a:t>
+            </a:r>
+            <a:r>
+              <a:rPr lang="en-US" altLang="zh-CN" dirty="0"/>
+              <a:t>-main -p '{"spec":{"type":"</a:t>
+            </a:r>
+            <a:r>
+              <a:rPr lang="en-US" altLang="zh-CN" dirty="0" err="1"/>
+              <a:t>NodePort</a:t>
+            </a:r>
+            <a:r>
+              <a:rPr lang="en-US" altLang="zh-CN" dirty="0"/>
+              <a:t>"}}' -n monitoring</a:t>
+            </a:r>
+          </a:p>
+          <a:p>
+            <a:r>
+              <a:rPr lang="en-US" altLang="zh-CN" u="sng" dirty="0">
+                <a:hlinkClick r:id="rId4"/>
+              </a:rPr>
+              <a:t>http://10.233.172.7:31901/#/alerts</a:t>
+            </a:r>
+            <a:endParaRPr lang="en-US" altLang="zh-CN" dirty="0">
+              <a:effectLst/>
+            </a:endParaRPr>
+          </a:p>
+        </p:txBody>
+      </p:sp>
+    </p:spTree>
+    <p:extLst>
+      <p:ext uri="{BB962C8B-B14F-4D97-AF65-F5344CB8AC3E}">
+        <p14:creationId xmlns:p14="http://schemas.microsoft.com/office/powerpoint/2010/main" val="974922237"/>
+      </p:ext>
+    </p:extLst>
+  </p:cSld>
+  <p:clrMapOvr>
+    <a:masterClrMapping/>
+  </p:clrMapOvr>
+</p:sld>
+</file>
+
+<file path=ppt/slides/slide9.xml><?xml version="1.0" encoding="utf-8"?>
+<p:sld xmlns:a="http://schemas.openxmlformats.org/drawingml/2006/main" xmlns:r="http://schemas.openxmlformats.org/officeDocument/2006/relationships" xmlns:p="http://schemas.openxmlformats.org/presentationml/2006/main">
+  <p:cSld>
+    <p:spTree>
+      <p:nvGrpSpPr>
+        <p:cNvPr id="1" name=""/>
+        <p:cNvGrpSpPr/>
+        <p:nvPr/>
+      </p:nvGrpSpPr>
+      <p:grpSpPr>
+        <a:xfrm>
+          <a:off x="0" y="0"/>
+          <a:ext cx="0" cy="0"/>
+          <a:chOff x="0" y="0"/>
+          <a:chExt cx="0" cy="0"/>
+        </a:xfrm>
+      </p:grpSpPr>
+      <p:sp>
+        <p:nvSpPr>
+          <p:cNvPr id="2" name="标题 1"/>
+          <p:cNvSpPr>
+            <a:spLocks noGrp="1"/>
+          </p:cNvSpPr>
+          <p:nvPr>
+            <p:ph type="title"/>
+          </p:nvPr>
+        </p:nvSpPr>
+        <p:spPr/>
+        <p:txBody>
+          <a:bodyPr/>
+          <a:lstStyle/>
+          <a:p>
+            <a:r>
+              <a:rPr kumimoji="1" lang="en-US" altLang="zh-CN" dirty="0" smtClean="0"/>
+              <a:t>Kubernetes-</a:t>
+            </a:r>
+            <a:r>
+              <a:rPr kumimoji="1" lang="en-US" altLang="zh-CN" dirty="0" err="1" smtClean="0"/>
+              <a:t>mixin</a:t>
+            </a:r>
+            <a:endParaRPr kumimoji="1" lang="zh-CN" altLang="en-US" dirty="0"/>
+          </a:p>
+        </p:txBody>
+      </p:sp>
+      <p:sp>
+        <p:nvSpPr>
+          <p:cNvPr id="3" name="内容占位符 2"/>
+          <p:cNvSpPr>
+            <a:spLocks noGrp="1"/>
+          </p:cNvSpPr>
+          <p:nvPr>
+            <p:ph idx="1"/>
+          </p:nvPr>
+        </p:nvSpPr>
+        <p:spPr>
+          <a:xfrm>
+            <a:off x="818712" y="2222287"/>
+            <a:ext cx="10554574" cy="4006235"/>
+          </a:xfrm>
+        </p:spPr>
+        <p:txBody>
+          <a:bodyPr/>
+          <a:lstStyle/>
+          <a:p>
+            <a:r>
+              <a:rPr lang="en-US" altLang="zh-CN" dirty="0"/>
+              <a:t>go get </a:t>
+            </a:r>
+            <a:r>
+              <a:rPr lang="en-US" altLang="zh-CN" dirty="0" err="1"/>
+              <a:t>github.com</a:t>
+            </a:r>
+            <a:r>
+              <a:rPr lang="en-US" altLang="zh-CN" dirty="0"/>
+              <a:t>/</a:t>
+            </a:r>
+            <a:r>
+              <a:rPr lang="en-US" altLang="zh-CN" dirty="0" err="1"/>
+              <a:t>jsonnet</a:t>
+            </a:r>
+            <a:r>
+              <a:rPr lang="en-US" altLang="zh-CN" dirty="0"/>
+              <a:t>-bundler/</a:t>
+            </a:r>
+            <a:r>
+              <a:rPr lang="en-US" altLang="zh-CN" dirty="0" err="1"/>
+              <a:t>jsonnet</a:t>
+            </a:r>
+            <a:r>
+              <a:rPr lang="en-US" altLang="zh-CN" dirty="0"/>
+              <a:t>-bundler/</a:t>
+            </a:r>
+            <a:r>
+              <a:rPr lang="en-US" altLang="zh-CN" dirty="0" err="1"/>
+              <a:t>cmd</a:t>
+            </a:r>
+            <a:r>
+              <a:rPr lang="en-US" altLang="zh-CN" dirty="0"/>
+              <a:t>/</a:t>
+            </a:r>
+            <a:r>
+              <a:rPr lang="en-US" altLang="zh-CN" dirty="0" err="1"/>
+              <a:t>jb</a:t>
+            </a:r>
+            <a:endParaRPr lang="en-US" altLang="zh-CN" dirty="0"/>
+          </a:p>
+          <a:p>
+            <a:r>
+              <a:rPr lang="en-US" altLang="zh-CN" dirty="0"/>
+              <a:t>brew install </a:t>
+            </a:r>
+            <a:r>
+              <a:rPr lang="en-US" altLang="zh-CN" dirty="0" err="1"/>
+              <a:t>jsonnet</a:t>
+            </a:r>
+            <a:endParaRPr lang="en-US" altLang="zh-CN" dirty="0"/>
+          </a:p>
+          <a:p>
+            <a:r>
+              <a:rPr lang="en-US" altLang="zh-CN" dirty="0" err="1"/>
+              <a:t>git</a:t>
+            </a:r>
+            <a:r>
+              <a:rPr lang="en-US" altLang="zh-CN" dirty="0"/>
+              <a:t> clone </a:t>
+            </a:r>
+            <a:r>
+              <a:rPr lang="en-US" altLang="zh-CN" u="sng" dirty="0">
+                <a:hlinkClick r:id="rId3"/>
+              </a:rPr>
+              <a:t>https://github.com/kubernetes-monitoring/kubernetes-mixin</a:t>
+            </a:r>
+            <a:endParaRPr lang="en-US" altLang="zh-CN" dirty="0"/>
+          </a:p>
+          <a:p>
+            <a:r>
+              <a:rPr lang="en-US" altLang="zh-CN" dirty="0"/>
+              <a:t>cd </a:t>
+            </a:r>
+            <a:r>
+              <a:rPr lang="en-US" altLang="zh-CN" dirty="0" err="1"/>
+              <a:t>kubernetes-mixin</a:t>
+            </a:r>
+            <a:r>
+              <a:rPr lang="en-US" altLang="zh-CN" dirty="0"/>
+              <a:t>/</a:t>
+            </a:r>
+          </a:p>
+          <a:p>
+            <a:r>
+              <a:rPr lang="en-US" altLang="zh-CN" dirty="0" err="1"/>
+              <a:t>jb</a:t>
+            </a:r>
+            <a:r>
+              <a:rPr lang="en-US" altLang="zh-CN" dirty="0"/>
+              <a:t> install</a:t>
+            </a:r>
+          </a:p>
+          <a:p>
+            <a:r>
+              <a:rPr lang="en-US" altLang="zh-CN" dirty="0"/>
+              <a:t>make </a:t>
+            </a:r>
+            <a:r>
+              <a:rPr lang="en-US" altLang="zh-CN" dirty="0" err="1"/>
+              <a:t>dashboards_out</a:t>
+            </a:r>
+            <a:endParaRPr lang="en-US" altLang="zh-CN" dirty="0">
+              <a:effectLst/>
+            </a:endParaRPr>
+          </a:p>
+        </p:txBody>
+      </p:sp>
+    </p:spTree>
+    <p:extLst>
+      <p:ext uri="{BB962C8B-B14F-4D97-AF65-F5344CB8AC3E}">
+        <p14:creationId xmlns:p14="http://schemas.microsoft.com/office/powerpoint/2010/main" val="1928831388"/>
       </p:ext>
     </p:extLst>
   </p:cSld>

--- a/kubernetes/k8s007.pptx
+++ b/kubernetes/k8s007.pptx
@@ -211,7 +211,7 @@
           <a:p>
             <a:fld id="{63F136E3-80C6-A842-B275-74FC7A4265FC}" type="datetimeFigureOut">
               <a:rPr kumimoji="1" lang="zh-CN" altLang="en-US" smtClean="0"/>
-              <a:t>2019/6/27</a:t>
+              <a:t>2019/7/3</a:t>
             </a:fld>
             <a:endParaRPr kumimoji="1" lang="zh-CN" altLang="en-US"/>
           </a:p>
@@ -1813,7 +1813,7 @@
           <a:effectLst/>
           <a:extLst>
             <a:ext uri="{91240B29-F687-4f45-9708-019B960494DF}">
-              <a14:hiddenLine xmlns="" xmlns:a14="http://schemas.microsoft.com/office/drawing/2010/main" w="9525">
+              <a14:hiddenLine xmlns:a14="http://schemas.microsoft.com/office/drawing/2010/main" xmlns="" w="9525">
                 <a:solidFill>
                   <a:srgbClr val="000000"/>
                 </a:solidFill>
@@ -2006,7 +2006,7 @@
             <a:fld id="{08B9EBBA-996F-894A-B54A-D6246ED52CEA}" type="datetimeFigureOut">
               <a:rPr lang="en-US" dirty="0"/>
               <a:pPr/>
-              <a:t>6/27/19</a:t>
+              <a:t>7/3/19</a:t>
             </a:fld>
             <a:endParaRPr lang="en-US" dirty="0"/>
           </a:p>
@@ -2321,7 +2321,7 @@
             <a:fld id="{18C79C5D-2A6F-F04D-97DA-BEF2467B64E4}" type="datetimeFigureOut">
               <a:rPr lang="en-US" dirty="0"/>
               <a:pPr/>
-              <a:t>6/27/19</a:t>
+              <a:t>7/3/19</a:t>
             </a:fld>
             <a:endParaRPr lang="en-US" dirty="0"/>
           </a:p>
@@ -2806,7 +2806,7 @@
             <a:fld id="{8DFA1846-DA80-1C48-A609-854EA85C59AD}" type="datetimeFigureOut">
               <a:rPr lang="en-US" dirty="0"/>
               <a:pPr/>
-              <a:t>6/27/19</a:t>
+              <a:t>7/3/19</a:t>
             </a:fld>
             <a:endParaRPr lang="en-US" dirty="0"/>
           </a:p>
@@ -3172,7 +3172,7 @@
             <a:fld id="{FBF54567-0DE4-3F47-BF90-CB84690072F9}" type="datetimeFigureOut">
               <a:rPr lang="en-US" dirty="0"/>
               <a:pPr/>
-              <a:t>6/27/19</a:t>
+              <a:t>7/3/19</a:t>
             </a:fld>
             <a:endParaRPr lang="en-US" dirty="0"/>
           </a:p>
@@ -3323,7 +3323,7 @@
           <a:ln/>
           <a:extLst>
             <a:ext uri="{91240B29-F687-4f45-9708-019B960494DF}">
-              <a14:hiddenLine xmlns="" xmlns:a14="http://schemas.microsoft.com/office/drawing/2010/main" w="9525">
+              <a14:hiddenLine xmlns:a14="http://schemas.microsoft.com/office/drawing/2010/main" xmlns="" w="9525">
                 <a:solidFill>
                   <a:srgbClr val="000000"/>
                 </a:solidFill>
@@ -3442,7 +3442,7 @@
             <a:fld id="{C6C52C72-DE31-F449-A4ED-4C594FD91407}" type="datetimeFigureOut">
               <a:rPr lang="en-US" dirty="0"/>
               <a:pPr/>
-              <a:t>6/27/19</a:t>
+              <a:t>7/3/19</a:t>
             </a:fld>
             <a:endParaRPr lang="en-US" dirty="0"/>
           </a:p>
@@ -3595,7 +3595,7 @@
           <a:ln/>
           <a:extLst>
             <a:ext uri="{91240B29-F687-4f45-9708-019B960494DF}">
-              <a14:hiddenLine xmlns="" xmlns:a14="http://schemas.microsoft.com/office/drawing/2010/main" w="9525">
+              <a14:hiddenLine xmlns:a14="http://schemas.microsoft.com/office/drawing/2010/main" xmlns="" w="9525">
                 <a:solidFill>
                   <a:srgbClr val="000000"/>
                 </a:solidFill>
@@ -3724,7 +3724,7 @@
             <a:fld id="{ED62726E-379B-B349-9EED-81ED093FA806}" type="datetimeFigureOut">
               <a:rPr lang="en-US" dirty="0"/>
               <a:pPr/>
-              <a:t>6/27/19</a:t>
+              <a:t>7/3/19</a:t>
             </a:fld>
             <a:endParaRPr lang="en-US" dirty="0"/>
           </a:p>
@@ -3875,7 +3875,7 @@
           <a:ln/>
           <a:extLst>
             <a:ext uri="{91240B29-F687-4f45-9708-019B960494DF}">
-              <a14:hiddenLine xmlns="" xmlns:a14="http://schemas.microsoft.com/office/drawing/2010/main" w="9525">
+              <a14:hiddenLine xmlns:a14="http://schemas.microsoft.com/office/drawing/2010/main" xmlns="" w="9525">
                 <a:solidFill>
                   <a:srgbClr val="000000"/>
                 </a:solidFill>
@@ -4004,7 +4004,7 @@
             <a:fld id="{9B3A1323-8D79-1946-B0D7-40001CF92E9D}" type="datetimeFigureOut">
               <a:rPr lang="en-US" dirty="0"/>
               <a:pPr/>
-              <a:t>6/27/19</a:t>
+              <a:t>7/3/19</a:t>
             </a:fld>
             <a:endParaRPr lang="en-US" dirty="0"/>
           </a:p>
@@ -4344,7 +4344,7 @@
             <a:fld id="{8DFA1846-DA80-1C48-A609-854EA85C59AD}" type="datetimeFigureOut">
               <a:rPr lang="en-US" dirty="0"/>
               <a:pPr/>
-              <a:t>6/27/19</a:t>
+              <a:t>7/3/19</a:t>
             </a:fld>
             <a:endParaRPr lang="en-US" dirty="0"/>
           </a:p>
@@ -4495,7 +4495,7 @@
           <a:ln/>
           <a:extLst>
             <a:ext uri="{91240B29-F687-4f45-9708-019B960494DF}">
-              <a14:hiddenLine xmlns="" xmlns:a14="http://schemas.microsoft.com/office/drawing/2010/main" w="9525">
+              <a14:hiddenLine xmlns:a14="http://schemas.microsoft.com/office/drawing/2010/main" xmlns="" w="9525">
                 <a:solidFill>
                   <a:srgbClr val="000000"/>
                 </a:solidFill>
@@ -4680,7 +4680,7 @@
             <a:fld id="{57302355-E14B-8545-A8F8-0FE83CC9D524}" type="datetimeFigureOut">
               <a:rPr lang="en-US" dirty="0"/>
               <a:pPr/>
-              <a:t>6/27/19</a:t>
+              <a:t>7/3/19</a:t>
             </a:fld>
             <a:endParaRPr lang="en-US" dirty="0"/>
           </a:p>
@@ -4831,7 +4831,7 @@
           <a:ln/>
           <a:extLst>
             <a:ext uri="{91240B29-F687-4f45-9708-019B960494DF}">
-              <a14:hiddenLine xmlns="" xmlns:a14="http://schemas.microsoft.com/office/drawing/2010/main" w="9525">
+              <a14:hiddenLine xmlns:a14="http://schemas.microsoft.com/office/drawing/2010/main" xmlns="" w="9525">
                 <a:solidFill>
                   <a:srgbClr val="000000"/>
                 </a:solidFill>
@@ -5154,7 +5154,7 @@
             <a:fld id="{02640F58-564D-2B4F-AE67-E407BA4FCF45}" type="datetimeFigureOut">
               <a:rPr lang="en-US" dirty="0"/>
               <a:pPr/>
-              <a:t>6/27/19</a:t>
+              <a:t>7/3/19</a:t>
             </a:fld>
             <a:endParaRPr lang="en-US" dirty="0"/>
           </a:p>
@@ -5305,7 +5305,7 @@
           <a:ln/>
           <a:extLst>
             <a:ext uri="{91240B29-F687-4f45-9708-019B960494DF}">
-              <a14:hiddenLine xmlns="" xmlns:a14="http://schemas.microsoft.com/office/drawing/2010/main" w="9525">
+              <a14:hiddenLine xmlns:a14="http://schemas.microsoft.com/office/drawing/2010/main" xmlns="" w="9525">
                 <a:solidFill>
                   <a:srgbClr val="000000"/>
                 </a:solidFill>
@@ -5372,7 +5372,7 @@
             <a:fld id="{F13A34C8-038E-2045-AF43-DF7DBB8E0E9E}" type="datetimeFigureOut">
               <a:rPr lang="en-US" dirty="0"/>
               <a:pPr/>
-              <a:t>6/27/19</a:t>
+              <a:t>7/3/19</a:t>
             </a:fld>
             <a:endParaRPr lang="en-US" dirty="0"/>
           </a:p>
@@ -5464,7 +5464,7 @@
             <a:fld id="{8818C68F-D26B-8F47-958C-23B49CF8A634}" type="datetimeFigureOut">
               <a:rPr lang="en-US" dirty="0"/>
               <a:pPr/>
-              <a:t>6/27/19</a:t>
+              <a:t>7/3/19</a:t>
             </a:fld>
             <a:endParaRPr lang="en-US" dirty="0"/>
           </a:p>
@@ -5728,7 +5728,7 @@
           <a:ln/>
           <a:extLst>
             <a:ext uri="{91240B29-F687-4f45-9708-019B960494DF}">
-              <a14:hiddenLine xmlns="" xmlns:a14="http://schemas.microsoft.com/office/drawing/2010/main" w="9525">
+              <a14:hiddenLine xmlns:a14="http://schemas.microsoft.com/office/drawing/2010/main" xmlns="" w="9525">
                 <a:solidFill>
                   <a:srgbClr val="000000"/>
                 </a:solidFill>
@@ -5928,7 +5928,7 @@
             <a:fld id="{D0DF5E60-9974-AC48-9591-99C2BB44B7CF}" type="datetimeFigureOut">
               <a:rPr lang="en-US" dirty="0"/>
               <a:pPr/>
-              <a:t>6/27/19</a:t>
+              <a:t>7/3/19</a:t>
             </a:fld>
             <a:endParaRPr lang="en-US" dirty="0"/>
           </a:p>
@@ -6238,7 +6238,7 @@
             <a:fld id="{18C79C5D-2A6F-F04D-97DA-BEF2467B64E4}" type="datetimeFigureOut">
               <a:rPr lang="en-US" dirty="0"/>
               <a:pPr/>
-              <a:t>6/27/19</a:t>
+              <a:t>7/3/19</a:t>
             </a:fld>
             <a:endParaRPr lang="en-US" dirty="0"/>
           </a:p>
@@ -6505,7 +6505,7 @@
             <a:fld id="{09B482E8-6E0E-1B4F-B1FD-C69DB9E858D9}" type="datetimeFigureOut">
               <a:rPr lang="en-US" dirty="0"/>
               <a:pPr/>
-              <a:t>6/27/19</a:t>
+              <a:t>7/3/19</a:t>
             </a:fld>
             <a:endParaRPr lang="en-US" dirty="0"/>
           </a:p>
@@ -7208,7 +7208,7 @@
         <p:spPr/>
         <p:txBody>
           <a:bodyPr>
-            <a:normAutofit fontScale="92500" lnSpcReduction="10000"/>
+            <a:normAutofit fontScale="92500" lnSpcReduction="20000"/>
           </a:bodyPr>
           <a:lstStyle/>
           <a:p>
@@ -7250,9 +7250,44 @@
               <a:rPr lang="en-US" altLang="zh-CN" u="sng" dirty="0">
                 <a:hlinkClick r:id="rId3"/>
               </a:rPr>
-              <a:t>https://github.com/kubernetes/kubernetes/tree/master/cluster/addons/fluentd-elasticsearch</a:t>
-            </a:r>
-            <a:endParaRPr lang="en-US" altLang="zh-CN" dirty="0"/>
+              <a:t>https://</a:t>
+            </a:r>
+            <a:r>
+              <a:rPr lang="en-US" altLang="zh-CN" u="sng" dirty="0" smtClean="0">
+                <a:hlinkClick r:id="rId3"/>
+              </a:rPr>
+              <a:t>github.com/kubernetes/kubernetes</a:t>
+            </a:r>
+          </a:p>
+          <a:p>
+            <a:r>
+              <a:rPr lang="en-US" altLang="zh-CN" u="sng" dirty="0"/>
+              <a:t>cd </a:t>
+            </a:r>
+            <a:r>
+              <a:rPr lang="en-US" altLang="zh-CN" dirty="0" err="1"/>
+              <a:t>kubernetes</a:t>
+            </a:r>
+            <a:r>
+              <a:rPr lang="en-US" altLang="zh-CN" dirty="0"/>
+              <a:t>/cluster/</a:t>
+            </a:r>
+            <a:r>
+              <a:rPr lang="en-US" altLang="zh-CN" dirty="0" err="1"/>
+              <a:t>addons</a:t>
+            </a:r>
+            <a:r>
+              <a:rPr lang="en-US" altLang="zh-CN" dirty="0"/>
+              <a:t>/</a:t>
+            </a:r>
+            <a:r>
+              <a:rPr lang="en-US" altLang="zh-CN" dirty="0" err="1"/>
+              <a:t>fluentd-elasticsearch</a:t>
+            </a:r>
+            <a:r>
+              <a:rPr lang="en-US" altLang="zh-CN" u="sng" dirty="0" smtClean="0"/>
+              <a:t>/</a:t>
+            </a:r>
           </a:p>
           <a:p>
             <a:endParaRPr kumimoji="1" lang="en-US" altLang="zh-CN" dirty="0" smtClean="0"/>
@@ -7499,15 +7534,54 @@
           <a:p>
             <a:r>
               <a:rPr lang="en-US" altLang="zh-CN" dirty="0"/>
-              <a:t>curl 10.104.14.82:9200</a:t>
-            </a:r>
+              <a:t>curl </a:t>
+            </a:r>
+            <a:r>
+              <a:rPr lang="hr-HR" altLang="zh-CN" dirty="0"/>
+              <a:t>10.107.100.116</a:t>
+            </a:r>
+            <a:r>
+              <a:rPr lang="en-US" altLang="zh-CN" dirty="0" smtClean="0"/>
+              <a:t>:9200</a:t>
+            </a:r>
+            <a:endParaRPr lang="en-US" altLang="zh-CN" dirty="0"/>
           </a:p>
           <a:p>
             <a:r>
               <a:rPr lang="de-DE" altLang="zh-CN" u="sng" dirty="0">
                 <a:hlinkClick r:id="rId3"/>
               </a:rPr>
-              <a:t>http://52.82.13.34:32087/app/kibana</a:t>
+              <a:t>http</a:t>
+            </a:r>
+            <a:r>
+              <a:rPr lang="de-DE" altLang="zh-CN" u="sng" dirty="0" smtClean="0">
+                <a:hlinkClick r:id="rId3"/>
+              </a:rPr>
+              <a:t>://</a:t>
+            </a:r>
+            <a:r>
+              <a:rPr lang="en-US" altLang="zh-CN" u="sng" dirty="0">
+                <a:hlinkClick r:id="rId4"/>
+              </a:rPr>
+              <a:t>10.233.172.7</a:t>
+            </a:r>
+            <a:r>
+              <a:rPr lang="de-DE" altLang="zh-CN" u="sng" dirty="0" smtClean="0">
+                <a:hlinkClick r:id="rId3"/>
+              </a:rPr>
+              <a:t>:</a:t>
+            </a:r>
+            <a:r>
+              <a:rPr lang="is-IS" altLang="zh-CN" u="sng" dirty="0">
+                <a:hlinkClick r:id="rId3"/>
+              </a:rPr>
+              <a:t>31467</a:t>
+            </a:r>
+            <a:r>
+              <a:rPr lang="de-DE" altLang="zh-CN" u="sng" dirty="0" smtClean="0">
+                <a:hlinkClick r:id="rId3"/>
+              </a:rPr>
+              <a:t>/app/kibana</a:t>
             </a:r>
             <a:endParaRPr lang="de-DE" altLang="zh-CN" dirty="0"/>
           </a:p>
@@ -8320,7 +8394,6 @@
               <a:rPr kumimoji="1" lang="en-US" altLang="zh-CN" dirty="0" smtClean="0"/>
               <a:t>Dashboard</a:t>
             </a:r>
-            <a:endParaRPr kumimoji="1" lang="en-US" altLang="zh-CN" dirty="0" smtClean="0"/>
           </a:p>
           <a:p>
             <a:r>
@@ -9433,7 +9506,6 @@
               <a:rPr lang="en-US" altLang="zh-CN" dirty="0"/>
               <a:t>admin admin</a:t>
             </a:r>
-            <a:endParaRPr lang="en-US" altLang="zh-CN" dirty="0"/>
           </a:p>
           <a:p>
             <a:r>

--- a/kubernetes/k8s007.pptx
+++ b/kubernetes/k8s007.pptx
@@ -211,7 +211,7 @@
           <a:p>
             <a:fld id="{63F136E3-80C6-A842-B275-74FC7A4265FC}" type="datetimeFigureOut">
               <a:rPr kumimoji="1" lang="zh-CN" altLang="en-US" smtClean="0"/>
-              <a:t>2019/7/3</a:t>
+              <a:t>2019/7/8</a:t>
             </a:fld>
             <a:endParaRPr kumimoji="1" lang="zh-CN" altLang="en-US"/>
           </a:p>
@@ -1813,7 +1813,7 @@
           <a:effectLst/>
           <a:extLst>
             <a:ext uri="{91240B29-F687-4f45-9708-019B960494DF}">
-              <a14:hiddenLine xmlns:a14="http://schemas.microsoft.com/office/drawing/2010/main" xmlns="" w="9525">
+              <a14:hiddenLine xmlns="" xmlns:a14="http://schemas.microsoft.com/office/drawing/2010/main" w="9525">
                 <a:solidFill>
                   <a:srgbClr val="000000"/>
                 </a:solidFill>
@@ -2006,7 +2006,7 @@
             <a:fld id="{08B9EBBA-996F-894A-B54A-D6246ED52CEA}" type="datetimeFigureOut">
               <a:rPr lang="en-US" dirty="0"/>
               <a:pPr/>
-              <a:t>7/3/19</a:t>
+              <a:t>7/8/19</a:t>
             </a:fld>
             <a:endParaRPr lang="en-US" dirty="0"/>
           </a:p>
@@ -2321,7 +2321,7 @@
             <a:fld id="{18C79C5D-2A6F-F04D-97DA-BEF2467B64E4}" type="datetimeFigureOut">
               <a:rPr lang="en-US" dirty="0"/>
               <a:pPr/>
-              <a:t>7/3/19</a:t>
+              <a:t>7/8/19</a:t>
             </a:fld>
             <a:endParaRPr lang="en-US" dirty="0"/>
           </a:p>
@@ -2806,7 +2806,7 @@
             <a:fld id="{8DFA1846-DA80-1C48-A609-854EA85C59AD}" type="datetimeFigureOut">
               <a:rPr lang="en-US" dirty="0"/>
               <a:pPr/>
-              <a:t>7/3/19</a:t>
+              <a:t>7/8/19</a:t>
             </a:fld>
             <a:endParaRPr lang="en-US" dirty="0"/>
           </a:p>
@@ -3172,7 +3172,7 @@
             <a:fld id="{FBF54567-0DE4-3F47-BF90-CB84690072F9}" type="datetimeFigureOut">
               <a:rPr lang="en-US" dirty="0"/>
               <a:pPr/>
-              <a:t>7/3/19</a:t>
+              <a:t>7/8/19</a:t>
             </a:fld>
             <a:endParaRPr lang="en-US" dirty="0"/>
           </a:p>
@@ -3323,7 +3323,7 @@
           <a:ln/>
           <a:extLst>
             <a:ext uri="{91240B29-F687-4f45-9708-019B960494DF}">
-              <a14:hiddenLine xmlns:a14="http://schemas.microsoft.com/office/drawing/2010/main" xmlns="" w="9525">
+              <a14:hiddenLine xmlns="" xmlns:a14="http://schemas.microsoft.com/office/drawing/2010/main" w="9525">
                 <a:solidFill>
                   <a:srgbClr val="000000"/>
                 </a:solidFill>
@@ -3442,7 +3442,7 @@
             <a:fld id="{C6C52C72-DE31-F449-A4ED-4C594FD91407}" type="datetimeFigureOut">
               <a:rPr lang="en-US" dirty="0"/>
               <a:pPr/>
-              <a:t>7/3/19</a:t>
+              <a:t>7/8/19</a:t>
             </a:fld>
             <a:endParaRPr lang="en-US" dirty="0"/>
           </a:p>
@@ -3595,7 +3595,7 @@
           <a:ln/>
           <a:extLst>
             <a:ext uri="{91240B29-F687-4f45-9708-019B960494DF}">
-              <a14:hiddenLine xmlns:a14="http://schemas.microsoft.com/office/drawing/2010/main" xmlns="" w="9525">
+              <a14:hiddenLine xmlns="" xmlns:a14="http://schemas.microsoft.com/office/drawing/2010/main" w="9525">
                 <a:solidFill>
                   <a:srgbClr val="000000"/>
                 </a:solidFill>
@@ -3724,7 +3724,7 @@
             <a:fld id="{ED62726E-379B-B349-9EED-81ED093FA806}" type="datetimeFigureOut">
               <a:rPr lang="en-US" dirty="0"/>
               <a:pPr/>
-              <a:t>7/3/19</a:t>
+              <a:t>7/8/19</a:t>
             </a:fld>
             <a:endParaRPr lang="en-US" dirty="0"/>
           </a:p>
@@ -3875,7 +3875,7 @@
           <a:ln/>
           <a:extLst>
             <a:ext uri="{91240B29-F687-4f45-9708-019B960494DF}">
-              <a14:hiddenLine xmlns:a14="http://schemas.microsoft.com/office/drawing/2010/main" xmlns="" w="9525">
+              <a14:hiddenLine xmlns="" xmlns:a14="http://schemas.microsoft.com/office/drawing/2010/main" w="9525">
                 <a:solidFill>
                   <a:srgbClr val="000000"/>
                 </a:solidFill>
@@ -4004,7 +4004,7 @@
             <a:fld id="{9B3A1323-8D79-1946-B0D7-40001CF92E9D}" type="datetimeFigureOut">
               <a:rPr lang="en-US" dirty="0"/>
               <a:pPr/>
-              <a:t>7/3/19</a:t>
+              <a:t>7/8/19</a:t>
             </a:fld>
             <a:endParaRPr lang="en-US" dirty="0"/>
           </a:p>
@@ -4344,7 +4344,7 @@
             <a:fld id="{8DFA1846-DA80-1C48-A609-854EA85C59AD}" type="datetimeFigureOut">
               <a:rPr lang="en-US" dirty="0"/>
               <a:pPr/>
-              <a:t>7/3/19</a:t>
+              <a:t>7/8/19</a:t>
             </a:fld>
             <a:endParaRPr lang="en-US" dirty="0"/>
           </a:p>
@@ -4495,7 +4495,7 @@
           <a:ln/>
           <a:extLst>
             <a:ext uri="{91240B29-F687-4f45-9708-019B960494DF}">
-              <a14:hiddenLine xmlns:a14="http://schemas.microsoft.com/office/drawing/2010/main" xmlns="" w="9525">
+              <a14:hiddenLine xmlns="" xmlns:a14="http://schemas.microsoft.com/office/drawing/2010/main" w="9525">
                 <a:solidFill>
                   <a:srgbClr val="000000"/>
                 </a:solidFill>
@@ -4680,7 +4680,7 @@
             <a:fld id="{57302355-E14B-8545-A8F8-0FE83CC9D524}" type="datetimeFigureOut">
               <a:rPr lang="en-US" dirty="0"/>
               <a:pPr/>
-              <a:t>7/3/19</a:t>
+              <a:t>7/8/19</a:t>
             </a:fld>
             <a:endParaRPr lang="en-US" dirty="0"/>
           </a:p>
@@ -4831,7 +4831,7 @@
           <a:ln/>
           <a:extLst>
             <a:ext uri="{91240B29-F687-4f45-9708-019B960494DF}">
-              <a14:hiddenLine xmlns:a14="http://schemas.microsoft.com/office/drawing/2010/main" xmlns="" w="9525">
+              <a14:hiddenLine xmlns="" xmlns:a14="http://schemas.microsoft.com/office/drawing/2010/main" w="9525">
                 <a:solidFill>
                   <a:srgbClr val="000000"/>
                 </a:solidFill>
@@ -5154,7 +5154,7 @@
             <a:fld id="{02640F58-564D-2B4F-AE67-E407BA4FCF45}" type="datetimeFigureOut">
               <a:rPr lang="en-US" dirty="0"/>
               <a:pPr/>
-              <a:t>7/3/19</a:t>
+              <a:t>7/8/19</a:t>
             </a:fld>
             <a:endParaRPr lang="en-US" dirty="0"/>
           </a:p>
@@ -5305,7 +5305,7 @@
           <a:ln/>
           <a:extLst>
             <a:ext uri="{91240B29-F687-4f45-9708-019B960494DF}">
-              <a14:hiddenLine xmlns:a14="http://schemas.microsoft.com/office/drawing/2010/main" xmlns="" w="9525">
+              <a14:hiddenLine xmlns="" xmlns:a14="http://schemas.microsoft.com/office/drawing/2010/main" w="9525">
                 <a:solidFill>
                   <a:srgbClr val="000000"/>
                 </a:solidFill>
@@ -5372,7 +5372,7 @@
             <a:fld id="{F13A34C8-038E-2045-AF43-DF7DBB8E0E9E}" type="datetimeFigureOut">
               <a:rPr lang="en-US" dirty="0"/>
               <a:pPr/>
-              <a:t>7/3/19</a:t>
+              <a:t>7/8/19</a:t>
             </a:fld>
             <a:endParaRPr lang="en-US" dirty="0"/>
           </a:p>
@@ -5464,7 +5464,7 @@
             <a:fld id="{8818C68F-D26B-8F47-958C-23B49CF8A634}" type="datetimeFigureOut">
               <a:rPr lang="en-US" dirty="0"/>
               <a:pPr/>
-              <a:t>7/3/19</a:t>
+              <a:t>7/8/19</a:t>
             </a:fld>
             <a:endParaRPr lang="en-US" dirty="0"/>
           </a:p>
@@ -5728,7 +5728,7 @@
           <a:ln/>
           <a:extLst>
             <a:ext uri="{91240B29-F687-4f45-9708-019B960494DF}">
-              <a14:hiddenLine xmlns:a14="http://schemas.microsoft.com/office/drawing/2010/main" xmlns="" w="9525">
+              <a14:hiddenLine xmlns="" xmlns:a14="http://schemas.microsoft.com/office/drawing/2010/main" w="9525">
                 <a:solidFill>
                   <a:srgbClr val="000000"/>
                 </a:solidFill>
@@ -5928,7 +5928,7 @@
             <a:fld id="{D0DF5E60-9974-AC48-9591-99C2BB44B7CF}" type="datetimeFigureOut">
               <a:rPr lang="en-US" dirty="0"/>
               <a:pPr/>
-              <a:t>7/3/19</a:t>
+              <a:t>7/8/19</a:t>
             </a:fld>
             <a:endParaRPr lang="en-US" dirty="0"/>
           </a:p>
@@ -6238,7 +6238,7 @@
             <a:fld id="{18C79C5D-2A6F-F04D-97DA-BEF2467B64E4}" type="datetimeFigureOut">
               <a:rPr lang="en-US" dirty="0"/>
               <a:pPr/>
-              <a:t>7/3/19</a:t>
+              <a:t>7/8/19</a:t>
             </a:fld>
             <a:endParaRPr lang="en-US" dirty="0"/>
           </a:p>
@@ -6505,7 +6505,7 @@
             <a:fld id="{09B482E8-6E0E-1B4F-B1FD-C69DB9E858D9}" type="datetimeFigureOut">
               <a:rPr lang="en-US" dirty="0"/>
               <a:pPr/>
-              <a:t>7/3/19</a:t>
+              <a:t>7/8/19</a:t>
             </a:fld>
             <a:endParaRPr lang="en-US" dirty="0"/>
           </a:p>
@@ -9095,12 +9095,12 @@
           <a:p>
             <a:pPr lvl="1"/>
             <a:r>
-              <a:rPr lang="en-US" altLang="zh-CN" dirty="0" smtClean="0"/>
-              <a:t>- </a:t>
-            </a:r>
-            <a:r>
-              <a:rPr lang="en-US" altLang="zh-CN" dirty="0"/>
-              <a:t>command:</a:t>
+              <a:rPr lang="en-US" altLang="zh-CN" smtClean="0"/>
+              <a:t>command</a:t>
+            </a:r>
+            <a:r>
+              <a:rPr lang="en-US" altLang="zh-CN" dirty="0"/>
+              <a:t>:</a:t>
             </a:r>
           </a:p>
           <a:p>
